--- a/스토리보드/4학년/2차/박만구/suh_p_0402_03_0011_v3.pptx
+++ b/스토리보드/4학년/2차/박만구/suh_p_0402_03_0011_v3.pptx
@@ -1,31 +1,31 @@
 
 <file path=ppt/presentation.xml><?xml version="1.0" encoding="utf-8"?>
-<p:presentation xmlns:a="http://schemas.openxmlformats.org/drawingml/2006/main" xmlns:r="http://schemas.openxmlformats.org/officeDocument/2006/relationships" xmlns:p="http://schemas.openxmlformats.org/presentationml/2006/main" saveSubsetFonts="1">
+<p:presentation xmlns:r="http://schemas.openxmlformats.org/officeDocument/2006/relationships" xmlns:c="http://schemas.openxmlformats.org/drawingml/2006/chart" xmlns:a="http://schemas.openxmlformats.org/drawingml/2006/main" xmlns:dgm="http://schemas.openxmlformats.org/drawingml/2006/diagram" xmlns:dsp="http://schemas.microsoft.com/office/drawing/2008/diagram" xmlns:p="http://schemas.openxmlformats.org/presentationml/2006/main" saveSubsetFonts="1">
   <p:sldMasterIdLst>
-    <p:sldMasterId id="2147483661" r:id="rId1"/>
+    <p:sldMasterId id="2147483669" r:id="rId1"/>
   </p:sldMasterIdLst>
   <p:notesMasterIdLst>
-    <p:notesMasterId r:id="rId17"/>
+    <p:notesMasterId r:id="rId2"/>
   </p:notesMasterIdLst>
   <p:handoutMasterIdLst>
-    <p:handoutMasterId r:id="rId18"/>
+    <p:handoutMasterId r:id="rId3"/>
   </p:handoutMasterIdLst>
   <p:sldIdLst>
-    <p:sldId id="782" r:id="rId2"/>
-    <p:sldId id="783" r:id="rId3"/>
-    <p:sldId id="1435" r:id="rId4"/>
-    <p:sldId id="1097" r:id="rId5"/>
-    <p:sldId id="1289" r:id="rId6"/>
-    <p:sldId id="1436" r:id="rId7"/>
-    <p:sldId id="1437" r:id="rId8"/>
-    <p:sldId id="1438" r:id="rId9"/>
-    <p:sldId id="1441" r:id="rId10"/>
-    <p:sldId id="1442" r:id="rId11"/>
-    <p:sldId id="1369" r:id="rId12"/>
-    <p:sldId id="1443" r:id="rId13"/>
-    <p:sldId id="1439" r:id="rId14"/>
-    <p:sldId id="1444" r:id="rId15"/>
-    <p:sldId id="1315" r:id="rId16"/>
+    <p:sldId id="256" r:id="rId4"/>
+    <p:sldId id="257" r:id="rId5"/>
+    <p:sldId id="258" r:id="rId6"/>
+    <p:sldId id="259" r:id="rId7"/>
+    <p:sldId id="260" r:id="rId8"/>
+    <p:sldId id="261" r:id="rId9"/>
+    <p:sldId id="262" r:id="rId10"/>
+    <p:sldId id="263" r:id="rId11"/>
+    <p:sldId id="264" r:id="rId12"/>
+    <p:sldId id="265" r:id="rId13"/>
+    <p:sldId id="266" r:id="rId14"/>
+    <p:sldId id="267" r:id="rId15"/>
+    <p:sldId id="268" r:id="rId16"/>
+    <p:sldId id="269" r:id="rId17"/>
+    <p:sldId id="270" r:id="rId18"/>
   </p:sldIdLst>
   <p:sldSz cx="9144000" cy="6858000" type="screen4x3"/>
   <p:notesSz cx="6797675" cy="9926638"/>
@@ -44,8 +44,8 @@
         <a:solidFill>
           <a:schemeClr val="tx1"/>
         </a:solidFill>
-        <a:latin typeface="돋움" pitchFamily="50" charset="-127"/>
-        <a:ea typeface="굴림" charset="-127"/>
+        <a:latin typeface="돋움"/>
+        <a:ea typeface="굴림"/>
         <a:cs typeface="+mn-cs"/>
       </a:defRPr>
     </a:lvl1pPr>
@@ -60,8 +60,8 @@
         <a:solidFill>
           <a:schemeClr val="tx1"/>
         </a:solidFill>
-        <a:latin typeface="돋움" pitchFamily="50" charset="-127"/>
-        <a:ea typeface="굴림" charset="-127"/>
+        <a:latin typeface="돋움"/>
+        <a:ea typeface="굴림"/>
         <a:cs typeface="+mn-cs"/>
       </a:defRPr>
     </a:lvl2pPr>
@@ -76,8 +76,8 @@
         <a:solidFill>
           <a:schemeClr val="tx1"/>
         </a:solidFill>
-        <a:latin typeface="돋움" pitchFamily="50" charset="-127"/>
-        <a:ea typeface="굴림" charset="-127"/>
+        <a:latin typeface="돋움"/>
+        <a:ea typeface="굴림"/>
         <a:cs typeface="+mn-cs"/>
       </a:defRPr>
     </a:lvl3pPr>
@@ -92,8 +92,8 @@
         <a:solidFill>
           <a:schemeClr val="tx1"/>
         </a:solidFill>
-        <a:latin typeface="돋움" pitchFamily="50" charset="-127"/>
-        <a:ea typeface="굴림" charset="-127"/>
+        <a:latin typeface="돋움"/>
+        <a:ea typeface="굴림"/>
         <a:cs typeface="+mn-cs"/>
       </a:defRPr>
     </a:lvl4pPr>
@@ -108,8 +108,8 @@
         <a:solidFill>
           <a:schemeClr val="tx1"/>
         </a:solidFill>
-        <a:latin typeface="돋움" pitchFamily="50" charset="-127"/>
-        <a:ea typeface="굴림" charset="-127"/>
+        <a:latin typeface="돋움"/>
+        <a:ea typeface="굴림"/>
         <a:cs typeface="+mn-cs"/>
       </a:defRPr>
     </a:lvl5pPr>
@@ -118,8 +118,8 @@
         <a:solidFill>
           <a:schemeClr val="tx1"/>
         </a:solidFill>
-        <a:latin typeface="돋움" pitchFamily="50" charset="-127"/>
-        <a:ea typeface="굴림" charset="-127"/>
+        <a:latin typeface="돋움"/>
+        <a:ea typeface="굴림"/>
         <a:cs typeface="+mn-cs"/>
       </a:defRPr>
     </a:lvl6pPr>
@@ -128,8 +128,8 @@
         <a:solidFill>
           <a:schemeClr val="tx1"/>
         </a:solidFill>
-        <a:latin typeface="돋움" pitchFamily="50" charset="-127"/>
-        <a:ea typeface="굴림" charset="-127"/>
+        <a:latin typeface="돋움"/>
+        <a:ea typeface="굴림"/>
         <a:cs typeface="+mn-cs"/>
       </a:defRPr>
     </a:lvl7pPr>
@@ -138,8 +138,8 @@
         <a:solidFill>
           <a:schemeClr val="tx1"/>
         </a:solidFill>
-        <a:latin typeface="돋움" pitchFamily="50" charset="-127"/>
-        <a:ea typeface="굴림" charset="-127"/>
+        <a:latin typeface="돋움"/>
+        <a:ea typeface="굴림"/>
         <a:cs typeface="+mn-cs"/>
       </a:defRPr>
     </a:lvl8pPr>
@@ -148,54 +148,23 @@
         <a:solidFill>
           <a:schemeClr val="tx1"/>
         </a:solidFill>
-        <a:latin typeface="돋움" pitchFamily="50" charset="-127"/>
-        <a:ea typeface="굴림" charset="-127"/>
+        <a:latin typeface="돋움"/>
+        <a:ea typeface="굴림"/>
         <a:cs typeface="+mn-cs"/>
       </a:defRPr>
     </a:lvl9pPr>
   </p:defaultTextStyle>
-  <p:extLst>
-    <p:ext uri="{EFAFB233-063F-42B5-8137-9DF3F51BA10A}">
-      <p15:sldGuideLst xmlns:p15="http://schemas.microsoft.com/office/powerpoint/2012/main">
-        <p15:guide id="1" orient="horz" pos="4292">
-          <p15:clr>
-            <a:srgbClr val="A4A3A4"/>
-          </p15:clr>
-        </p15:guide>
-        <p15:guide id="2" pos="5760" userDrawn="1">
-          <p15:clr>
-            <a:srgbClr val="A4A3A4"/>
-          </p15:clr>
-        </p15:guide>
-      </p15:sldGuideLst>
-    </p:ext>
-    <p:ext uri="{2D200454-40CA-4A62-9FC3-DE9A4176ACB9}">
-      <p15:notesGuideLst xmlns:p15="http://schemas.microsoft.com/office/powerpoint/2012/main">
-        <p15:guide id="1" orient="horz" pos="3127">
-          <p15:clr>
-            <a:srgbClr val="A4A3A4"/>
-          </p15:clr>
-        </p15:guide>
-        <p15:guide id="2" pos="2141">
-          <p15:clr>
-            <a:srgbClr val="A4A3A4"/>
-          </p15:clr>
-        </p15:guide>
-      </p15:notesGuideLst>
-    </p:ext>
-  </p:extLst>
 </p:presentation>
 </file>
 
 <file path=ppt/handoutMasters/handoutMaster1.xml><?xml version="1.0" encoding="utf-8"?>
-<p:handoutMaster xmlns:a="http://schemas.openxmlformats.org/drawingml/2006/main" xmlns:r="http://schemas.openxmlformats.org/officeDocument/2006/relationships" xmlns:p="http://schemas.openxmlformats.org/presentationml/2006/main">
+<p:handoutMaster xmlns:r="http://schemas.openxmlformats.org/officeDocument/2006/relationships" xmlns:c="http://schemas.openxmlformats.org/drawingml/2006/chart" xmlns:a="http://schemas.openxmlformats.org/drawingml/2006/main" xmlns:dgm="http://schemas.openxmlformats.org/drawingml/2006/diagram" xmlns:dsp="http://schemas.microsoft.com/office/drawing/2008/diagram" xmlns:p="http://schemas.openxmlformats.org/presentationml/2006/main">
   <p:cSld>
     <p:bg>
-      <p:bgPr>
+      <p:bgPr shadeToTitle="0">
         <a:solidFill>
           <a:schemeClr val="bg1"/>
         </a:solidFill>
-        <a:effectLst/>
       </p:bgPr>
     </p:bg>
     <p:spTree>
@@ -219,10 +188,10 @@
             <a:spLocks noGrp="1" noChangeArrowheads="1"/>
           </p:cNvSpPr>
           <p:nvPr>
-            <p:ph type="hdr" sz="quarter"/>
+            <p:ph type="hdr" sz="quarter" idx="0"/>
           </p:nvPr>
         </p:nvSpPr>
-        <p:spPr bwMode="auto">
+        <p:spPr>
           <a:xfrm>
             <a:off x="0" y="0"/>
             <a:ext cx="2946400" cy="496888"/>
@@ -233,14 +202,12 @@
           <a:noFill/>
           <a:ln w="9525">
             <a:noFill/>
-            <a:miter lim="800000"/>
-            <a:headEnd/>
-            <a:tailEnd/>
+            <a:miter/>
           </a:ln>
           <a:effectLst/>
         </p:spPr>
         <p:txBody>
-          <a:bodyPr vert="horz" wrap="square" lIns="91440" tIns="45720" rIns="91440" bIns="45720" numCol="1" anchor="t" anchorCtr="0" compatLnSpc="1">
+          <a:bodyPr vert="horz" wrap="square" lIns="91440" tIns="45720" rIns="91440" bIns="45720" anchor="t" anchorCtr="0">
             <a:prstTxWarp prst="textNoShape">
               <a:avLst/>
             </a:prstTxWarp>
@@ -251,8 +218,8 @@
                 <a:spcPct val="0"/>
               </a:spcBef>
               <a:defRPr>
-                <a:latin typeface="굴림" pitchFamily="50" charset="-127"/>
-                <a:ea typeface="굴림" pitchFamily="50" charset="-127"/>
+                <a:latin typeface="굴림"/>
+                <a:ea typeface="굴림"/>
               </a:defRPr>
             </a:lvl1pPr>
           </a:lstStyle>
@@ -260,7 +227,11 @@
             <a:pPr>
               <a:defRPr/>
             </a:pPr>
-            <a:endParaRPr lang="en-US" altLang="ko-KR"/>
+            <a:r>
+              <a:rPr lang="ko-KR" altLang="en-US"/>
+              <a:t/>
+            </a:r>
+            <a:endParaRPr lang="ko-KR" altLang="en-US"/>
           </a:p>
         </p:txBody>
       </p:sp>
@@ -274,7 +245,7 @@
             <p:ph type="dt" sz="quarter" idx="1"/>
           </p:nvPr>
         </p:nvSpPr>
-        <p:spPr bwMode="auto">
+        <p:spPr>
           <a:xfrm>
             <a:off x="3852863" y="0"/>
             <a:ext cx="2944812" cy="496888"/>
@@ -285,14 +256,12 @@
           <a:noFill/>
           <a:ln w="9525">
             <a:noFill/>
-            <a:miter lim="800000"/>
-            <a:headEnd/>
-            <a:tailEnd/>
+            <a:miter/>
           </a:ln>
           <a:effectLst/>
         </p:spPr>
         <p:txBody>
-          <a:bodyPr vert="horz" wrap="square" lIns="91440" tIns="45720" rIns="91440" bIns="45720" numCol="1" anchor="t" anchorCtr="0" compatLnSpc="1">
+          <a:bodyPr vert="horz" wrap="square" lIns="91440" tIns="45720" rIns="91440" bIns="45720" anchor="t" anchorCtr="0">
             <a:prstTxWarp prst="textNoShape">
               <a:avLst/>
             </a:prstTxWarp>
@@ -303,8 +272,8 @@
                 <a:spcPct val="0"/>
               </a:spcBef>
               <a:defRPr>
-                <a:latin typeface="굴림" pitchFamily="50" charset="-127"/>
-                <a:ea typeface="굴림" pitchFamily="50" charset="-127"/>
+                <a:latin typeface="굴림"/>
+                <a:ea typeface="굴림"/>
               </a:defRPr>
             </a:lvl1pPr>
           </a:lstStyle>
@@ -312,7 +281,11 @@
             <a:pPr>
               <a:defRPr/>
             </a:pPr>
-            <a:endParaRPr lang="en-US" altLang="ko-KR"/>
+            <a:r>
+              <a:rPr lang="ko-KR" altLang="en-US"/>
+              <a:t/>
+            </a:r>
+            <a:endParaRPr lang="ko-KR" altLang="en-US"/>
           </a:p>
         </p:txBody>
       </p:sp>
@@ -326,7 +299,7 @@
             <p:ph type="ftr" sz="quarter" idx="2"/>
           </p:nvPr>
         </p:nvSpPr>
-        <p:spPr bwMode="auto">
+        <p:spPr>
           <a:xfrm>
             <a:off x="0" y="9428163"/>
             <a:ext cx="2946400" cy="496887"/>
@@ -337,14 +310,12 @@
           <a:noFill/>
           <a:ln w="9525">
             <a:noFill/>
-            <a:miter lim="800000"/>
-            <a:headEnd/>
-            <a:tailEnd/>
+            <a:miter/>
           </a:ln>
           <a:effectLst/>
         </p:spPr>
         <p:txBody>
-          <a:bodyPr vert="horz" wrap="square" lIns="91440" tIns="45720" rIns="91440" bIns="45720" numCol="1" anchor="b" anchorCtr="0" compatLnSpc="1">
+          <a:bodyPr vert="horz" wrap="square" lIns="91440" tIns="45720" rIns="91440" bIns="45720" anchor="b" anchorCtr="0">
             <a:prstTxWarp prst="textNoShape">
               <a:avLst/>
             </a:prstTxWarp>
@@ -355,8 +326,8 @@
                 <a:spcPct val="0"/>
               </a:spcBef>
               <a:defRPr>
-                <a:latin typeface="굴림" pitchFamily="50" charset="-127"/>
-                <a:ea typeface="굴림" pitchFamily="50" charset="-127"/>
+                <a:latin typeface="굴림"/>
+                <a:ea typeface="굴림"/>
               </a:defRPr>
             </a:lvl1pPr>
           </a:lstStyle>
@@ -364,7 +335,11 @@
             <a:pPr>
               <a:defRPr/>
             </a:pPr>
-            <a:endParaRPr lang="en-US" altLang="ko-KR"/>
+            <a:r>
+              <a:rPr lang="ko-KR" altLang="en-US"/>
+              <a:t/>
+            </a:r>
+            <a:endParaRPr lang="ko-KR" altLang="en-US"/>
           </a:p>
         </p:txBody>
       </p:sp>
@@ -378,7 +353,7 @@
             <p:ph type="sldNum" sz="quarter" idx="3"/>
           </p:nvPr>
         </p:nvSpPr>
-        <p:spPr bwMode="auto">
+        <p:spPr>
           <a:xfrm>
             <a:off x="3851275" y="9428163"/>
             <a:ext cx="2944813" cy="496887"/>
@@ -389,14 +364,12 @@
           <a:noFill/>
           <a:ln w="9525">
             <a:noFill/>
-            <a:miter lim="800000"/>
-            <a:headEnd/>
-            <a:tailEnd/>
+            <a:miter/>
           </a:ln>
           <a:effectLst/>
         </p:spPr>
         <p:txBody>
-          <a:bodyPr vert="horz" wrap="square" lIns="91440" tIns="45720" rIns="91440" bIns="45720" numCol="1" anchor="b" anchorCtr="0" compatLnSpc="1">
+          <a:bodyPr vert="horz" wrap="square" lIns="91440" tIns="45720" rIns="91440" bIns="45720" anchor="b" anchorCtr="0">
             <a:prstTxWarp prst="textNoShape">
               <a:avLst/>
             </a:prstTxWarp>
@@ -407,8 +380,8 @@
                 <a:spcPct val="0"/>
               </a:spcBef>
               <a:defRPr>
-                <a:latin typeface="굴림" pitchFamily="50" charset="-127"/>
-                <a:ea typeface="굴림" pitchFamily="50" charset="-127"/>
+                <a:latin typeface="굴림"/>
+                <a:ea typeface="굴림"/>
               </a:defRPr>
             </a:lvl1pPr>
           </a:lstStyle>
@@ -428,25 +401,19 @@
         </p:txBody>
       </p:sp>
     </p:spTree>
-    <p:extLst>
-      <p:ext uri="{BB962C8B-B14F-4D97-AF65-F5344CB8AC3E}">
-        <p14:creationId xmlns:p14="http://schemas.microsoft.com/office/powerpoint/2010/main" val="3907077466"/>
-      </p:ext>
-    </p:extLst>
   </p:cSld>
   <p:clrMap bg1="lt1" tx1="dk1" bg2="lt2" tx2="dk2" accent1="accent1" accent2="accent2" accent3="accent3" accent4="accent4" accent5="accent5" accent6="accent6" hlink="hlink" folHlink="folHlink"/>
 </p:handoutMaster>
 </file>
 
 <file path=ppt/notesMasters/notesMaster1.xml><?xml version="1.0" encoding="utf-8"?>
-<p:notesMaster xmlns:a="http://schemas.openxmlformats.org/drawingml/2006/main" xmlns:r="http://schemas.openxmlformats.org/officeDocument/2006/relationships" xmlns:p="http://schemas.openxmlformats.org/presentationml/2006/main">
+<p:notesMaster xmlns:r="http://schemas.openxmlformats.org/officeDocument/2006/relationships" xmlns:c="http://schemas.openxmlformats.org/drawingml/2006/chart" xmlns:a="http://schemas.openxmlformats.org/drawingml/2006/main" xmlns:dgm="http://schemas.openxmlformats.org/drawingml/2006/diagram" xmlns:dsp="http://schemas.microsoft.com/office/drawing/2008/diagram" xmlns:p="http://schemas.openxmlformats.org/presentationml/2006/main">
   <p:cSld>
     <p:bg>
-      <p:bgPr>
+      <p:bgPr shadeToTitle="0">
         <a:solidFill>
           <a:schemeClr val="bg1"/>
         </a:solidFill>
-        <a:effectLst/>
       </p:bgPr>
     </p:bg>
     <p:spTree>
@@ -470,10 +437,10 @@
             <a:spLocks noGrp="1" noChangeArrowheads="1"/>
           </p:cNvSpPr>
           <p:nvPr>
-            <p:ph type="hdr" sz="quarter"/>
+            <p:ph type="hdr" sz="quarter" idx="0"/>
           </p:nvPr>
         </p:nvSpPr>
-        <p:spPr bwMode="auto">
+        <p:spPr>
           <a:xfrm>
             <a:off x="0" y="0"/>
             <a:ext cx="2946400" cy="496888"/>
@@ -484,14 +451,12 @@
           <a:noFill/>
           <a:ln w="9525">
             <a:noFill/>
-            <a:miter lim="800000"/>
-            <a:headEnd/>
-            <a:tailEnd/>
+            <a:miter/>
           </a:ln>
           <a:effectLst/>
         </p:spPr>
         <p:txBody>
-          <a:bodyPr vert="horz" wrap="square" lIns="91440" tIns="45720" rIns="91440" bIns="45720" numCol="1" anchor="t" anchorCtr="0" compatLnSpc="1">
+          <a:bodyPr vert="horz" wrap="square" lIns="91440" tIns="45720" rIns="91440" bIns="45720" anchor="t" anchorCtr="0">
             <a:prstTxWarp prst="textNoShape">
               <a:avLst/>
             </a:prstTxWarp>
@@ -502,8 +467,8 @@
                 <a:spcPct val="0"/>
               </a:spcBef>
               <a:defRPr>
-                <a:latin typeface="굴림" pitchFamily="50" charset="-127"/>
-                <a:ea typeface="굴림" pitchFamily="50" charset="-127"/>
+                <a:latin typeface="굴림"/>
+                <a:ea typeface="굴림"/>
               </a:defRPr>
             </a:lvl1pPr>
           </a:lstStyle>
@@ -511,7 +476,11 @@
             <a:pPr>
               <a:defRPr/>
             </a:pPr>
-            <a:endParaRPr lang="en-US" altLang="ko-KR"/>
+            <a:r>
+              <a:rPr lang="ko-KR" altLang="en-US"/>
+              <a:t/>
+            </a:r>
+            <a:endParaRPr lang="ko-KR" altLang="en-US"/>
           </a:p>
         </p:txBody>
       </p:sp>
@@ -525,7 +494,7 @@
             <p:ph type="dt" idx="1"/>
           </p:nvPr>
         </p:nvSpPr>
-        <p:spPr bwMode="auto">
+        <p:spPr>
           <a:xfrm>
             <a:off x="3851275" y="0"/>
             <a:ext cx="2944813" cy="496888"/>
@@ -536,14 +505,12 @@
           <a:noFill/>
           <a:ln w="9525">
             <a:noFill/>
-            <a:miter lim="800000"/>
-            <a:headEnd/>
-            <a:tailEnd/>
+            <a:miter/>
           </a:ln>
           <a:effectLst/>
         </p:spPr>
         <p:txBody>
-          <a:bodyPr vert="horz" wrap="square" lIns="91440" tIns="45720" rIns="91440" bIns="45720" numCol="1" anchor="t" anchorCtr="0" compatLnSpc="1">
+          <a:bodyPr vert="horz" wrap="square" lIns="91440" tIns="45720" rIns="91440" bIns="45720" anchor="t" anchorCtr="0">
             <a:prstTxWarp prst="textNoShape">
               <a:avLst/>
             </a:prstTxWarp>
@@ -554,8 +521,8 @@
                 <a:spcPct val="0"/>
               </a:spcBef>
               <a:defRPr>
-                <a:latin typeface="굴림" pitchFamily="50" charset="-127"/>
-                <a:ea typeface="굴림" pitchFamily="50" charset="-127"/>
+                <a:latin typeface="굴림"/>
+                <a:ea typeface="굴림"/>
               </a:defRPr>
             </a:lvl1pPr>
           </a:lstStyle>
@@ -563,7 +530,11 @@
             <a:pPr>
               <a:defRPr/>
             </a:pPr>
-            <a:endParaRPr lang="en-US" altLang="ko-KR"/>
+            <a:r>
+              <a:rPr lang="ko-KR" altLang="en-US"/>
+              <a:t/>
+            </a:r>
+            <a:endParaRPr lang="ko-KR" altLang="en-US"/>
           </a:p>
         </p:txBody>
       </p:sp>
@@ -577,7 +548,7 @@
             <p:ph type="sldImg" idx="2"/>
           </p:nvPr>
         </p:nvSpPr>
-        <p:spPr bwMode="auto">
+        <p:spPr>
           <a:xfrm>
             <a:off x="917575" y="744538"/>
             <a:ext cx="4962525" cy="3722687"/>
@@ -590,9 +561,7 @@
             <a:solidFill>
               <a:srgbClr val="000000"/>
             </a:solidFill>
-            <a:miter lim="800000"/>
-            <a:headEnd/>
-            <a:tailEnd/>
+            <a:miter/>
           </a:ln>
         </p:spPr>
       </p:sp>
@@ -606,7 +575,7 @@
             <p:ph type="body" sz="quarter" idx="3"/>
           </p:nvPr>
         </p:nvSpPr>
-        <p:spPr bwMode="auto">
+        <p:spPr>
           <a:xfrm>
             <a:off x="679450" y="4714875"/>
             <a:ext cx="5438775" cy="4467225"/>
@@ -617,53 +586,66 @@
           <a:noFill/>
           <a:ln w="9525">
             <a:noFill/>
-            <a:miter lim="800000"/>
-            <a:headEnd/>
-            <a:tailEnd/>
+            <a:miter/>
           </a:ln>
           <a:effectLst/>
         </p:spPr>
         <p:txBody>
-          <a:bodyPr vert="horz" wrap="square" lIns="91440" tIns="45720" rIns="91440" bIns="45720" numCol="1" anchor="t" anchorCtr="0" compatLnSpc="1">
+          <a:bodyPr vert="horz" wrap="square" lIns="91440" tIns="45720" rIns="91440" bIns="45720" anchor="t" anchorCtr="0">
             <a:prstTxWarp prst="textNoShape">
               <a:avLst/>
             </a:prstTxWarp>
           </a:bodyPr>
           <a:lstStyle/>
           <a:p>
-            <a:pPr lvl="0"/>
+            <a:pPr lvl="0">
+              <a:defRPr/>
+            </a:pPr>
             <a:r>
-              <a:rPr lang="ko-KR" altLang="en-US" noProof="0"/>
+              <a:rPr lang="ko-KR" altLang="en-US"/>
               <a:t>마스터 텍스트 스타일을 편집합니다</a:t>
             </a:r>
+            <a:endParaRPr lang="ko-KR" altLang="en-US"/>
           </a:p>
           <a:p>
-            <a:pPr lvl="1"/>
+            <a:pPr lvl="1">
+              <a:defRPr/>
+            </a:pPr>
             <a:r>
-              <a:rPr lang="ko-KR" altLang="en-US" noProof="0"/>
+              <a:rPr lang="ko-KR" altLang="en-US"/>
               <a:t>둘째 수준</a:t>
             </a:r>
+            <a:endParaRPr lang="ko-KR" altLang="en-US"/>
           </a:p>
           <a:p>
-            <a:pPr lvl="2"/>
+            <a:pPr lvl="2">
+              <a:defRPr/>
+            </a:pPr>
             <a:r>
-              <a:rPr lang="ko-KR" altLang="en-US" noProof="0"/>
+              <a:rPr lang="ko-KR" altLang="en-US"/>
               <a:t>셋째 수준</a:t>
             </a:r>
+            <a:endParaRPr lang="ko-KR" altLang="en-US"/>
           </a:p>
           <a:p>
-            <a:pPr lvl="3"/>
+            <a:pPr lvl="3">
+              <a:defRPr/>
+            </a:pPr>
             <a:r>
-              <a:rPr lang="ko-KR" altLang="en-US" noProof="0"/>
+              <a:rPr lang="ko-KR" altLang="en-US"/>
               <a:t>넷째 수준</a:t>
             </a:r>
+            <a:endParaRPr lang="ko-KR" altLang="en-US"/>
           </a:p>
           <a:p>
-            <a:pPr lvl="4"/>
+            <a:pPr lvl="4">
+              <a:defRPr/>
+            </a:pPr>
             <a:r>
-              <a:rPr lang="ko-KR" altLang="en-US" noProof="0"/>
+              <a:rPr lang="ko-KR" altLang="en-US"/>
               <a:t>다섯째 수준</a:t>
             </a:r>
+            <a:endParaRPr lang="ko-KR" altLang="en-US"/>
           </a:p>
         </p:txBody>
       </p:sp>
@@ -677,7 +659,7 @@
             <p:ph type="ftr" sz="quarter" idx="4"/>
           </p:nvPr>
         </p:nvSpPr>
-        <p:spPr bwMode="auto">
+        <p:spPr>
           <a:xfrm>
             <a:off x="0" y="9428163"/>
             <a:ext cx="2946400" cy="496887"/>
@@ -688,14 +670,12 @@
           <a:noFill/>
           <a:ln w="9525">
             <a:noFill/>
-            <a:miter lim="800000"/>
-            <a:headEnd/>
-            <a:tailEnd/>
+            <a:miter/>
           </a:ln>
           <a:effectLst/>
         </p:spPr>
         <p:txBody>
-          <a:bodyPr vert="horz" wrap="square" lIns="91440" tIns="45720" rIns="91440" bIns="45720" numCol="1" anchor="b" anchorCtr="0" compatLnSpc="1">
+          <a:bodyPr vert="horz" wrap="square" lIns="91440" tIns="45720" rIns="91440" bIns="45720" anchor="b" anchorCtr="0">
             <a:prstTxWarp prst="textNoShape">
               <a:avLst/>
             </a:prstTxWarp>
@@ -706,8 +686,8 @@
                 <a:spcPct val="0"/>
               </a:spcBef>
               <a:defRPr>
-                <a:latin typeface="굴림" pitchFamily="50" charset="-127"/>
-                <a:ea typeface="굴림" pitchFamily="50" charset="-127"/>
+                <a:latin typeface="굴림"/>
+                <a:ea typeface="굴림"/>
               </a:defRPr>
             </a:lvl1pPr>
           </a:lstStyle>
@@ -715,7 +695,11 @@
             <a:pPr>
               <a:defRPr/>
             </a:pPr>
-            <a:endParaRPr lang="en-US" altLang="ko-KR"/>
+            <a:r>
+              <a:rPr lang="ko-KR" altLang="en-US"/>
+              <a:t/>
+            </a:r>
+            <a:endParaRPr lang="ko-KR" altLang="en-US"/>
           </a:p>
         </p:txBody>
       </p:sp>
@@ -729,7 +713,7 @@
             <p:ph type="sldNum" sz="quarter" idx="5"/>
           </p:nvPr>
         </p:nvSpPr>
-        <p:spPr bwMode="auto">
+        <p:spPr>
           <a:xfrm>
             <a:off x="3851275" y="9428163"/>
             <a:ext cx="2944813" cy="496887"/>
@@ -740,14 +724,12 @@
           <a:noFill/>
           <a:ln w="9525">
             <a:noFill/>
-            <a:miter lim="800000"/>
-            <a:headEnd/>
-            <a:tailEnd/>
+            <a:miter/>
           </a:ln>
           <a:effectLst/>
         </p:spPr>
         <p:txBody>
-          <a:bodyPr vert="horz" wrap="square" lIns="91440" tIns="45720" rIns="91440" bIns="45720" numCol="1" anchor="b" anchorCtr="0" compatLnSpc="1">
+          <a:bodyPr vert="horz" wrap="square" lIns="91440" tIns="45720" rIns="91440" bIns="45720" anchor="b" anchorCtr="0">
             <a:prstTxWarp prst="textNoShape">
               <a:avLst/>
             </a:prstTxWarp>
@@ -758,8 +740,8 @@
                 <a:spcPct val="0"/>
               </a:spcBef>
               <a:defRPr>
-                <a:latin typeface="굴림" pitchFamily="50" charset="-127"/>
-                <a:ea typeface="굴림" pitchFamily="50" charset="-127"/>
+                <a:latin typeface="굴림"/>
+                <a:ea typeface="굴림"/>
               </a:defRPr>
             </a:lvl1pPr>
           </a:lstStyle>
@@ -779,13 +761,9 @@
         </p:txBody>
       </p:sp>
     </p:spTree>
-    <p:extLst>
-      <p:ext uri="{BB962C8B-B14F-4D97-AF65-F5344CB8AC3E}">
-        <p14:creationId xmlns:p14="http://schemas.microsoft.com/office/powerpoint/2010/main" val="2442784193"/>
-      </p:ext>
-    </p:extLst>
   </p:cSld>
   <p:clrMap bg1="lt1" tx1="dk1" bg2="lt2" tx2="dk2" accent1="accent1" accent2="accent2" accent3="accent3" accent4="accent4" accent5="accent5" accent6="accent6" hlink="hlink" folHlink="folHlink"/>
+  <p:hf hdr="0" ftr="0" dt="0"/>
   <p:notesStyle>
     <a:lvl1pPr algn="l" rtl="0" eaLnBrk="0" fontAlgn="base" latinLnBrk="1" hangingPunct="0">
       <a:spcBef>
@@ -798,8 +776,8 @@
         <a:solidFill>
           <a:schemeClr val="tx1"/>
         </a:solidFill>
-        <a:latin typeface="굴림" pitchFamily="50" charset="-127"/>
-        <a:ea typeface="굴림" pitchFamily="50" charset="-127"/>
+        <a:latin typeface="굴림"/>
+        <a:ea typeface="굴림"/>
         <a:cs typeface="+mn-cs"/>
       </a:defRPr>
     </a:lvl1pPr>
@@ -814,8 +792,8 @@
         <a:solidFill>
           <a:schemeClr val="tx1"/>
         </a:solidFill>
-        <a:latin typeface="굴림" pitchFamily="50" charset="-127"/>
-        <a:ea typeface="굴림" pitchFamily="50" charset="-127"/>
+        <a:latin typeface="굴림"/>
+        <a:ea typeface="굴림"/>
         <a:cs typeface="+mn-cs"/>
       </a:defRPr>
     </a:lvl2pPr>
@@ -830,8 +808,8 @@
         <a:solidFill>
           <a:schemeClr val="tx1"/>
         </a:solidFill>
-        <a:latin typeface="굴림" pitchFamily="50" charset="-127"/>
-        <a:ea typeface="굴림" pitchFamily="50" charset="-127"/>
+        <a:latin typeface="굴림"/>
+        <a:ea typeface="굴림"/>
         <a:cs typeface="+mn-cs"/>
       </a:defRPr>
     </a:lvl3pPr>
@@ -846,8 +824,8 @@
         <a:solidFill>
           <a:schemeClr val="tx1"/>
         </a:solidFill>
-        <a:latin typeface="굴림" pitchFamily="50" charset="-127"/>
-        <a:ea typeface="굴림" pitchFamily="50" charset="-127"/>
+        <a:latin typeface="굴림"/>
+        <a:ea typeface="굴림"/>
         <a:cs typeface="+mn-cs"/>
       </a:defRPr>
     </a:lvl4pPr>
@@ -862,8 +840,8 @@
         <a:solidFill>
           <a:schemeClr val="tx1"/>
         </a:solidFill>
-        <a:latin typeface="굴림" pitchFamily="50" charset="-127"/>
-        <a:ea typeface="굴림" pitchFamily="50" charset="-127"/>
+        <a:latin typeface="굴림"/>
+        <a:ea typeface="굴림"/>
         <a:cs typeface="+mn-cs"/>
       </a:defRPr>
     </a:lvl5pPr>
@@ -24132,7 +24110,7 @@
 </file>
 
 <file path=ppt/slides/slide15.xml><?xml version="1.0" encoding="utf-8"?>
-<p:sld xmlns:a="http://schemas.openxmlformats.org/drawingml/2006/main" xmlns:r="http://schemas.openxmlformats.org/officeDocument/2006/relationships" xmlns:p="http://schemas.openxmlformats.org/presentationml/2006/main">
+<p:sld xmlns:r="http://schemas.openxmlformats.org/officeDocument/2006/relationships" xmlns:c="http://schemas.openxmlformats.org/drawingml/2006/chart" xmlns:a="http://schemas.openxmlformats.org/drawingml/2006/main" xmlns:dgm="http://schemas.openxmlformats.org/drawingml/2006/diagram" xmlns:dsp="http://schemas.microsoft.com/office/drawing/2008/diagram" xmlns:p="http://schemas.openxmlformats.org/presentationml/2006/main">
   <p:cSld>
     <p:spTree>
       <p:nvGrpSpPr>
@@ -24163,23 +24141,15 @@
         <a:graphic>
           <a:graphicData uri="http://schemas.openxmlformats.org/drawingml/2006/table">
             <a:tbl>
-              <a:tblPr/>
               <a:tblGrid>
-                <a:gridCol w="2016125">
-                  <a:extLst>
-                    <a:ext uri="{9D8B030D-6E8A-4147-A177-3AD203B41FA5}">
-                      <a16:colId xmlns:a16="http://schemas.microsoft.com/office/drawing/2014/main" val="20000"/>
-                    </a:ext>
-                  </a:extLst>
-                </a:gridCol>
+                <a:gridCol w="2016125"/>
               </a:tblGrid>
               <a:tr h="189064">
                 <a:tc>
                   <a:txBody>
-                    <a:bodyPr/>
-                    <a:lstStyle/>
+                    <a:bodyPr vert="horz" lIns="53929" tIns="25167" rIns="53929" bIns="25167" anchor="ctr" anchorCtr="0"/>
                     <a:p>
-                      <a:pPr marL="0" marR="0" lvl="0" indent="0" algn="l" defTabSz="850900" rtl="0" eaLnBrk="1" fontAlgn="base" latinLnBrk="1" hangingPunct="1">
+                      <a:pPr marL="0" marR="0" lvl="0" indent="0" algn="l" defTabSz="850900" rtl="0" eaLnBrk="1" latinLnBrk="1" hangingPunct="1">
                         <a:lnSpc>
                           <a:spcPct val="90000"/>
                         </a:lnSpc>
@@ -24190,35 +24160,28 @@
                           <a:spcPct val="0"/>
                         </a:spcAft>
                         <a:buClrTx/>
-                        <a:buSzTx/>
                         <a:buFontTx/>
                         <a:buNone/>
-                        <a:tabLst/>
+                        <a:defRPr/>
                       </a:pPr>
                       <a:r>
-                        <a:rPr kumimoji="1" lang="en-US" altLang="ko-KR" sz="1000" b="0" i="0" u="none" strike="noStrike" cap="none" normalizeH="0" baseline="0" dirty="0">
-                          <a:ln>
-                            <a:noFill/>
-                          </a:ln>
+                        <a:rPr kumimoji="1" lang="en-US" altLang="ko-KR" sz="1000" b="0" i="0" u="none" strike="noStrike" cap="none" normalizeH="0" baseline="0">
                           <a:solidFill>
                             <a:schemeClr val="tx1"/>
                           </a:solidFill>
                           <a:effectLst/>
-                          <a:latin typeface="맑은 고딕" pitchFamily="50" charset="-127"/>
-                          <a:ea typeface="맑은 고딕" pitchFamily="50" charset="-127"/>
+                          <a:latin typeface="맑은 고딕"/>
+                          <a:ea typeface="맑은 고딕"/>
                         </a:rPr>
                         <a:t>Θ Description &amp; Function</a:t>
                       </a:r>
-                      <a:endParaRPr kumimoji="1" lang="ko-KR" altLang="en-US" sz="1000" b="0" i="0" u="none" strike="noStrike" cap="none" normalizeH="0" baseline="0" dirty="0">
-                        <a:ln>
-                          <a:noFill/>
-                        </a:ln>
+                      <a:endParaRPr kumimoji="1" lang="ko-KR" altLang="en-US" sz="1000" b="0" i="0" u="none" strike="noStrike" cap="none" normalizeH="0" baseline="0">
                         <a:solidFill>
                           <a:schemeClr val="tx1"/>
                         </a:solidFill>
                         <a:effectLst/>
-                        <a:latin typeface="맑은 고딕" pitchFamily="50" charset="-127"/>
-                        <a:ea typeface="맑은 고딕" pitchFamily="50" charset="-127"/>
+                        <a:latin typeface="맑은 고딕"/>
+                        <a:ea typeface="맑은 고딕"/>
                       </a:endParaRPr>
                     </a:p>
                   </a:txBody>
@@ -24229,8 +24192,6 @@
                       </a:solidFill>
                       <a:prstDash val="solid"/>
                       <a:round/>
-                      <a:headEnd type="none" w="med" len="med"/>
-                      <a:tailEnd type="none" w="med" len="med"/>
                     </a:lnL>
                     <a:lnR w="12700" cap="flat" cmpd="sng" algn="ctr">
                       <a:solidFill>
@@ -24238,8 +24199,6 @@
                       </a:solidFill>
                       <a:prstDash val="solid"/>
                       <a:round/>
-                      <a:headEnd type="none" w="med" len="med"/>
-                      <a:tailEnd type="none" w="med" len="med"/>
                     </a:lnR>
                     <a:lnT w="12700" cap="flat" cmpd="sng" algn="ctr">
                       <a:solidFill>
@@ -24247,8 +24206,6 @@
                       </a:solidFill>
                       <a:prstDash val="solid"/>
                       <a:round/>
-                      <a:headEnd type="none" w="med" len="med"/>
-                      <a:tailEnd type="none" w="med" len="med"/>
                     </a:lnT>
                     <a:lnB w="12700" cap="flat" cmpd="sng" algn="ctr">
                       <a:solidFill>
@@ -24256,8 +24213,6 @@
                       </a:solidFill>
                       <a:prstDash val="solid"/>
                       <a:round/>
-                      <a:headEnd type="none" w="med" len="med"/>
-                      <a:tailEnd type="none" w="med" len="med"/>
                     </a:lnB>
                     <a:lnTlToBr>
                       <a:noFill/>
@@ -24266,15 +24221,10 @@
                       <a:noFill/>
                     </a:lnBlToTr>
                     <a:solidFill>
-                      <a:srgbClr val="DDDDDD"/>
+                      <a:srgbClr val="dddddd"/>
                     </a:solidFill>
                   </a:tcPr>
                 </a:tc>
-                <a:extLst>
-                  <a:ext uri="{0D108BD9-81ED-4DB2-BD59-A6C34878D82A}">
-                    <a16:rowId xmlns:a16="http://schemas.microsoft.com/office/drawing/2014/main" val="10000"/>
-                  </a:ext>
-                </a:extLst>
               </a:tr>
             </a:tbl>
           </a:graphicData>
@@ -24289,7 +24239,7 @@
         <p:spPr>
           <a:xfrm>
             <a:off x="1583668" y="3044279"/>
-            <a:ext cx="5179623" cy="384721"/>
+            <a:ext cx="5179623" cy="373291"/>
           </a:xfrm>
           <a:prstGeom prst="rect">
             <a:avLst/>
@@ -24297,40 +24247,46 @@
           <a:noFill/>
         </p:spPr>
         <p:txBody>
-          <a:bodyPr wrap="square" rtlCol="0">
+          <a:bodyPr wrap="square">
             <a:spAutoFit/>
           </a:bodyPr>
           <a:lstStyle/>
           <a:p>
-            <a:pPr algn="just"/>
+            <a:pPr algn="just">
+              <a:defRPr/>
+            </a:pPr>
             <a:r>
-              <a:rPr lang="ko-KR" altLang="en-US" sz="1900" b="1" dirty="0">
-                <a:latin typeface="맑은 고딕" pitchFamily="50" charset="-127"/>
-                <a:ea typeface="맑은 고딕" pitchFamily="50" charset="-127"/>
+              <a:rPr lang="ko-KR" altLang="en-US" sz="1900" b="1">
+                <a:latin typeface="맑은 고딕"/>
+                <a:ea typeface="맑은 고딕"/>
               </a:rPr>
               <a:t>융합 연구소 </a:t>
             </a:r>
             <a:r>
-              <a:rPr lang="en-US" altLang="ko-KR" sz="1900" b="1" dirty="0">
-                <a:latin typeface="맑은 고딕" pitchFamily="50" charset="-127"/>
-                <a:ea typeface="맑은 고딕" pitchFamily="50" charset="-127"/>
+              <a:rPr lang="en-US" altLang="ko-KR" sz="1900" b="1">
+                <a:latin typeface="맑은 고딕"/>
+                <a:ea typeface="맑은 고딕"/>
               </a:rPr>
               <a:t>(</a:t>
             </a:r>
             <a:r>
-              <a:rPr lang="ko-KR" altLang="en-US" sz="1900" b="1" dirty="0">
-                <a:latin typeface="맑은 고딕" pitchFamily="50" charset="-127"/>
-                <a:ea typeface="맑은 고딕" pitchFamily="50" charset="-127"/>
+              <a:rPr lang="ko-KR" altLang="en-US" sz="1900" b="1">
+                <a:latin typeface="맑은 고딕"/>
+                <a:ea typeface="맑은 고딕"/>
               </a:rPr>
               <a:t>자전거 여행을 떠나요</a:t>
             </a:r>
             <a:r>
-              <a:rPr lang="en-US" altLang="ko-KR" sz="1900" b="1" dirty="0">
-                <a:latin typeface="맑은 고딕" pitchFamily="50" charset="-127"/>
-                <a:ea typeface="맑은 고딕" pitchFamily="50" charset="-127"/>
+              <a:rPr lang="en-US" altLang="ko-KR" sz="1900" b="1">
+                <a:latin typeface="맑은 고딕"/>
+                <a:ea typeface="맑은 고딕"/>
               </a:rPr>
               <a:t>)</a:t>
             </a:r>
+            <a:endParaRPr lang="en-US" altLang="ko-KR" sz="1900" b="1">
+              <a:latin typeface="맑은 고딕"/>
+              <a:ea typeface="맑은 고딕"/>
+            </a:endParaRPr>
           </a:p>
         </p:txBody>
       </p:sp>
@@ -24343,7 +24299,7 @@
         <p:spPr>
           <a:xfrm>
             <a:off x="7018371" y="1092168"/>
-            <a:ext cx="2125629" cy="1015663"/>
+            <a:ext cx="2125629" cy="1001427"/>
           </a:xfrm>
           <a:prstGeom prst="rect">
             <a:avLst/>
@@ -24351,75 +24307,87 @@
           <a:noFill/>
         </p:spPr>
         <p:txBody>
-          <a:bodyPr wrap="square" rtlCol="0">
+          <a:bodyPr wrap="square">
             <a:spAutoFit/>
           </a:bodyPr>
           <a:lstStyle/>
           <a:p>
             <a:pPr marL="228600" indent="-228600" algn="just">
               <a:buAutoNum type="arabicPeriod"/>
+              <a:defRPr/>
             </a:pPr>
             <a:r>
-              <a:rPr lang="en-US" altLang="ko-KR" sz="1000" dirty="0">
-                <a:latin typeface="맑은 고딕" pitchFamily="50" charset="-127"/>
-                <a:ea typeface="맑은 고딕" pitchFamily="50" charset="-127"/>
+              <a:rPr lang="en-US" altLang="ko-KR" sz="1000">
+                <a:latin typeface="맑은 고딕"/>
+                <a:ea typeface="맑은 고딕"/>
               </a:rPr>
               <a:t>[</a:t>
             </a:r>
             <a:r>
-              <a:rPr lang="ko-KR" altLang="en-US" sz="1000" dirty="0">
-                <a:latin typeface="맑은 고딕" pitchFamily="50" charset="-127"/>
-                <a:ea typeface="맑은 고딕" pitchFamily="50" charset="-127"/>
+              <a:rPr lang="ko-KR" altLang="en-US" sz="1000">
+                <a:latin typeface="맑은 고딕"/>
+                <a:ea typeface="맑은 고딕"/>
               </a:rPr>
               <a:t>다음 시간에 배울 내용</a:t>
             </a:r>
             <a:r>
-              <a:rPr lang="en-US" altLang="ko-KR" sz="1000" dirty="0">
-                <a:latin typeface="맑은 고딕" pitchFamily="50" charset="-127"/>
-                <a:ea typeface="맑은 고딕" pitchFamily="50" charset="-127"/>
+              <a:rPr lang="en-US" altLang="ko-KR" sz="1000">
+                <a:latin typeface="맑은 고딕"/>
+                <a:ea typeface="맑은 고딕"/>
               </a:rPr>
               <a:t>]</a:t>
             </a:r>
-          </a:p>
-          <a:p>
-            <a:pPr marL="228600" indent="-228600" algn="just">
-              <a:buAutoNum type="arabicPeriod"/>
-            </a:pPr>
-            <a:endParaRPr lang="en-US" altLang="ko-KR" sz="1000" dirty="0">
-              <a:latin typeface="맑은 고딕" pitchFamily="50" charset="-127"/>
-              <a:ea typeface="맑은 고딕" pitchFamily="50" charset="-127"/>
-            </a:endParaRPr>
-          </a:p>
-          <a:p>
-            <a:pPr algn="just"/>
-            <a:endParaRPr lang="en-US" altLang="ko-KR" sz="1000" dirty="0">
-              <a:latin typeface="맑은 고딕" pitchFamily="50" charset="-127"/>
-              <a:ea typeface="맑은 고딕" pitchFamily="50" charset="-127"/>
+            <a:endParaRPr lang="en-US" altLang="ko-KR" sz="1000">
+              <a:latin typeface="맑은 고딕"/>
+              <a:ea typeface="맑은 고딕"/>
             </a:endParaRPr>
           </a:p>
           <a:p>
             <a:pPr marL="228600" indent="-228600" algn="just">
               <a:buAutoNum type="arabicPeriod"/>
+              <a:defRPr/>
             </a:pPr>
-            <a:endParaRPr lang="en-US" altLang="ko-KR" sz="1000" dirty="0">
-              <a:latin typeface="맑은 고딕" pitchFamily="50" charset="-127"/>
-              <a:ea typeface="맑은 고딕" pitchFamily="50" charset="-127"/>
+            <a:endParaRPr lang="en-US" altLang="ko-KR" sz="1000">
+              <a:latin typeface="맑은 고딕"/>
+              <a:ea typeface="맑은 고딕"/>
+            </a:endParaRPr>
+          </a:p>
+          <a:p>
+            <a:pPr algn="just">
+              <a:defRPr/>
+            </a:pPr>
+            <a:endParaRPr lang="en-US" altLang="ko-KR" sz="1000">
+              <a:latin typeface="맑은 고딕"/>
+              <a:ea typeface="맑은 고딕"/>
             </a:endParaRPr>
           </a:p>
           <a:p>
             <a:pPr marL="228600" indent="-228600" algn="just">
               <a:buAutoNum type="arabicPeriod"/>
+              <a:defRPr/>
             </a:pPr>
-            <a:endParaRPr lang="en-US" altLang="ko-KR" sz="1000" dirty="0">
-              <a:latin typeface="맑은 고딕" pitchFamily="50" charset="-127"/>
-              <a:ea typeface="맑은 고딕" pitchFamily="50" charset="-127"/>
+            <a:endParaRPr lang="en-US" altLang="ko-KR" sz="1000">
+              <a:latin typeface="맑은 고딕"/>
+              <a:ea typeface="맑은 고딕"/>
             </a:endParaRPr>
           </a:p>
           <a:p>
-            <a:pPr marL="228600" indent="-228600" algn="just"/>
-            <a:endParaRPr lang="en-US" altLang="ko-KR" sz="1000" dirty="0">
-              <a:latin typeface="맑은 고딕" pitchFamily="50" charset="-127"/>
-              <a:ea typeface="맑은 고딕" pitchFamily="50" charset="-127"/>
+            <a:pPr marL="228600" indent="-228600" algn="just">
+              <a:buAutoNum type="arabicPeriod"/>
+              <a:defRPr/>
+            </a:pPr>
+            <a:endParaRPr lang="en-US" altLang="ko-KR" sz="1000">
+              <a:latin typeface="맑은 고딕"/>
+              <a:ea typeface="맑은 고딕"/>
+            </a:endParaRPr>
+          </a:p>
+          <a:p>
+            <a:pPr marL="228600" indent="-228600" algn="just">
+              <a:defRPr/>
+            </a:pPr>
+            <a:endParaRPr lang="en-US" altLang="ko-KR" sz="1000">
+              <a:latin typeface="맑은 고딕"/>
+              <a:ea typeface="맑은 고딕"/>
             </a:endParaRPr>
           </a:p>
         </p:txBody>
@@ -24441,27 +24409,30 @@
           <a:noFill/>
         </p:spPr>
         <p:txBody>
-          <a:bodyPr wrap="square" rtlCol="0">
+          <a:bodyPr wrap="square">
             <a:spAutoFit/>
           </a:bodyPr>
           <a:lstStyle/>
           <a:p>
+            <a:pPr lvl="0">
+              <a:defRPr/>
+            </a:pPr>
             <a:r>
-              <a:rPr lang="en-US" altLang="ko-KR" sz="900" b="1" dirty="0">
+              <a:rPr lang="en-US" altLang="ko-KR" sz="900" b="1">
                 <a:solidFill>
                   <a:schemeClr val="bg1"/>
                 </a:solidFill>
-                <a:latin typeface="맑은 고딕" pitchFamily="50" charset="-127"/>
-                <a:ea typeface="맑은 고딕" pitchFamily="50" charset="-127"/>
+                <a:latin typeface="맑은 고딕"/>
+                <a:ea typeface="맑은 고딕"/>
               </a:rPr>
               <a:t>1</a:t>
             </a:r>
-            <a:endParaRPr lang="ko-KR" altLang="en-US" sz="900" b="1" dirty="0">
+            <a:endParaRPr lang="ko-KR" altLang="en-US" sz="900" b="1">
               <a:solidFill>
                 <a:schemeClr val="bg1"/>
               </a:solidFill>
-              <a:latin typeface="맑은 고딕" pitchFamily="50" charset="-127"/>
-              <a:ea typeface="맑은 고딕" pitchFamily="50" charset="-127"/>
+              <a:latin typeface="맑은 고딕"/>
+              <a:ea typeface="맑은 고딕"/>
             </a:endParaRPr>
           </a:p>
         </p:txBody>
@@ -24474,10 +24445,10 @@
           </p:cNvSpPr>
           <p:nvPr/>
         </p:nvSpPr>
-        <p:spPr bwMode="auto">
+        <p:spPr>
           <a:xfrm>
-            <a:off x="7751763" y="115888"/>
-            <a:ext cx="1392237" cy="400110"/>
+            <a:off x="7751762" y="115888"/>
+            <a:ext cx="1392237" cy="387032"/>
           </a:xfrm>
           <a:prstGeom prst="rect">
             <a:avLst/>
@@ -24485,9 +24456,7 @@
           <a:noFill/>
           <a:ln w="9525">
             <a:noFill/>
-            <a:miter lim="800000"/>
-            <a:headEnd/>
-            <a:tailEnd/>
+            <a:miter/>
           </a:ln>
         </p:spPr>
         <p:txBody>
@@ -24496,7 +24465,7 @@
           </a:bodyPr>
           <a:lstStyle/>
           <a:p>
-            <a:pPr lvl="0" algn="just" fontAlgn="auto">
+            <a:pPr lvl="0" algn="just">
               <a:spcBef>
                 <a:spcPts val="0"/>
               </a:spcBef>
@@ -24506,22 +24475,22 @@
               <a:defRPr/>
             </a:pPr>
             <a:r>
-              <a:rPr kumimoji="0" lang="en-US" altLang="ko-KR" sz="1000" dirty="0" smtClean="0">
-                <a:latin typeface="맑은 고딕" pitchFamily="50" charset="-127"/>
-                <a:ea typeface="맑은 고딕" pitchFamily="50" charset="-127"/>
+              <a:rPr kumimoji="0" lang="en-US" altLang="ko-KR" sz="1000">
+                <a:latin typeface="맑은 고딕"/>
+                <a:ea typeface="맑은 고딕"/>
               </a:rPr>
               <a:t>suh_p_0402_03_0011</a:t>
             </a:r>
             <a:r>
-              <a:rPr lang="en-US" altLang="ko-KR" sz="1000" dirty="0" smtClean="0">
-                <a:latin typeface="맑은 고딕" pitchFamily="50" charset="-127"/>
-                <a:ea typeface="맑은 고딕" pitchFamily="50" charset="-127"/>
+              <a:rPr lang="en-US" altLang="ko-KR" sz="1000">
+                <a:latin typeface="맑은 고딕"/>
+                <a:ea typeface="맑은 고딕"/>
               </a:rPr>
               <a:t>_301_1</a:t>
             </a:r>
-            <a:endParaRPr lang="ko-KR" altLang="en-US" sz="1000" dirty="0">
-              <a:latin typeface="맑은 고딕" pitchFamily="50" charset="-127"/>
-              <a:ea typeface="맑은 고딕" pitchFamily="50" charset="-127"/>
+            <a:endParaRPr lang="ko-KR" altLang="en-US" sz="1000">
+              <a:latin typeface="맑은 고딕"/>
+              <a:ea typeface="맑은 고딕"/>
             </a:endParaRPr>
           </a:p>
         </p:txBody>
@@ -24534,20 +24503,14 @@
           </p:cNvPicPr>
           <p:nvPr/>
         </p:nvPicPr>
-        <p:blipFill>
-          <a:blip r:embed="rId2">
-            <a:extLst>
-              <a:ext uri="{28A0092B-C50C-407E-A947-70E740481C1C}">
-                <a14:useLocalDpi xmlns:a14="http://schemas.microsoft.com/office/drawing/2010/main" val="0"/>
-              </a:ext>
-            </a:extLst>
-          </a:blip>
+        <p:blipFill rotWithShape="1">
+          <a:blip r:embed="rId2"/>
           <a:srcRect/>
           <a:stretch>
             <a:fillRect/>
           </a:stretch>
         </p:blipFill>
-        <p:spPr bwMode="auto">
+        <p:spPr>
           <a:xfrm>
             <a:off x="1434699" y="3202897"/>
             <a:ext cx="114300" cy="123825"/>
@@ -24560,34 +24523,6 @@
             <a:noFill/>
           </a:ln>
           <a:effectLst/>
-          <a:extLst>
-            <a:ext uri="{909E8E84-426E-40DD-AFC4-6F175D3DCCD1}">
-              <a14:hiddenFill xmlns:a14="http://schemas.microsoft.com/office/drawing/2010/main">
-                <a:solidFill>
-                  <a:schemeClr val="accent1"/>
-                </a:solidFill>
-              </a14:hiddenFill>
-            </a:ext>
-            <a:ext uri="{91240B29-F687-4F45-9708-019B960494DF}">
-              <a14:hiddenLine xmlns:a14="http://schemas.microsoft.com/office/drawing/2010/main" w="9525">
-                <a:solidFill>
-                  <a:schemeClr val="tx1"/>
-                </a:solidFill>
-                <a:miter lim="800000"/>
-                <a:headEnd/>
-                <a:tailEnd/>
-              </a14:hiddenLine>
-            </a:ext>
-            <a:ext uri="{AF507438-7753-43E0-B8FC-AC1667EBCBE1}">
-              <a14:hiddenEffects xmlns:a14="http://schemas.microsoft.com/office/drawing/2010/main">
-                <a:effectLst>
-                  <a:outerShdw dist="35921" dir="2700000" algn="ctr" rotWithShape="0">
-                    <a:schemeClr val="bg2"/>
-                  </a:outerShdw>
-                </a:effectLst>
-              </a14:hiddenEffects>
-            </a:ext>
-          </a:extLst>
         </p:spPr>
       </p:pic>
       <p:sp>
@@ -24599,7 +24534,7 @@
         <p:spPr>
           <a:xfrm>
             <a:off x="2087724" y="1304764"/>
-            <a:ext cx="2976607" cy="307777"/>
+            <a:ext cx="2976607" cy="293531"/>
           </a:xfrm>
           <a:prstGeom prst="rect">
             <a:avLst/>
@@ -24609,38 +24544,40 @@
           </a:solidFill>
         </p:spPr>
         <p:txBody>
-          <a:bodyPr wrap="square" rtlCol="0">
+          <a:bodyPr wrap="square">
             <a:spAutoFit/>
           </a:bodyPr>
           <a:lstStyle/>
           <a:p>
-            <a:pPr algn="ctr"/>
+            <a:pPr algn="ctr">
+              <a:defRPr/>
+            </a:pPr>
             <a:r>
-              <a:rPr lang="ko-KR" altLang="en-US" sz="1400" b="1" dirty="0">
+              <a:rPr lang="ko-KR" altLang="en-US" sz="1400" b="1">
                 <a:solidFill>
                   <a:schemeClr val="bg1"/>
                 </a:solidFill>
-                <a:latin typeface="맑은 고딕" pitchFamily="50" charset="-127"/>
-                <a:ea typeface="맑은 고딕" pitchFamily="50" charset="-127"/>
+                <a:latin typeface="맑은 고딕"/>
+                <a:ea typeface="맑은 고딕"/>
               </a:rPr>
               <a:t>다음 시간에는 무엇을 배울까요</a:t>
             </a:r>
             <a:r>
-              <a:rPr lang="en-US" altLang="ko-KR" sz="1400" b="1" dirty="0">
+              <a:rPr lang="en-US" altLang="ko-KR" sz="1400" b="1">
                 <a:solidFill>
                   <a:schemeClr val="bg1"/>
                 </a:solidFill>
-                <a:latin typeface="맑은 고딕" pitchFamily="50" charset="-127"/>
-                <a:ea typeface="맑은 고딕" pitchFamily="50" charset="-127"/>
+                <a:latin typeface="맑은 고딕"/>
+                <a:ea typeface="맑은 고딕"/>
               </a:rPr>
               <a:t>?</a:t>
             </a:r>
-            <a:endParaRPr lang="ko-KR" altLang="en-US" sz="1400" b="1" dirty="0">
+            <a:endParaRPr lang="ko-KR" altLang="en-US" sz="1400" b="1">
               <a:solidFill>
                 <a:schemeClr val="bg1"/>
               </a:solidFill>
-              <a:latin typeface="맑은 고딕" pitchFamily="50" charset="-127"/>
-              <a:ea typeface="맑은 고딕" pitchFamily="50" charset="-127"/>
+              <a:latin typeface="맑은 고딕"/>
+              <a:ea typeface="맑은 고딕"/>
             </a:endParaRPr>
           </a:p>
         </p:txBody>
@@ -24660,7 +24597,7 @@
             <a:avLst/>
           </a:prstGeom>
           <a:solidFill>
-            <a:srgbClr val="FF0000"/>
+            <a:srgbClr val="ff0000"/>
           </a:solidFill>
           <a:ln w="9525">
             <a:noFill/>
@@ -24693,53 +24630,41 @@
               <a:defRPr/>
             </a:pPr>
             <a:r>
-              <a:rPr lang="en-US" altLang="ko-KR" sz="1100" b="1" dirty="0">
+              <a:rPr lang="en-US" altLang="ko-KR" sz="1100" b="1">
                 <a:solidFill>
                   <a:schemeClr val="bg1"/>
                 </a:solidFill>
-                <a:latin typeface="맑은 고딕" pitchFamily="50" charset="-127"/>
-                <a:ea typeface="맑은 고딕" pitchFamily="50" charset="-127"/>
+                <a:latin typeface="맑은 고딕"/>
+                <a:ea typeface="맑은 고딕"/>
               </a:rPr>
               <a:t>#1</a:t>
             </a:r>
-            <a:endParaRPr lang="ko-KR" altLang="en-US" sz="1100" b="1" dirty="0">
+            <a:endParaRPr lang="ko-KR" altLang="en-US" sz="1100" b="1">
               <a:solidFill>
                 <a:schemeClr val="bg1"/>
               </a:solidFill>
-              <a:latin typeface="맑은 고딕" pitchFamily="50" charset="-127"/>
-              <a:ea typeface="맑은 고딕" pitchFamily="50" charset="-127"/>
+              <a:latin typeface="맑은 고딕"/>
+              <a:ea typeface="맑은 고딕"/>
             </a:endParaRPr>
           </a:p>
         </p:txBody>
       </p:sp>
       <p:pic>
         <p:nvPicPr>
-          <p:cNvPr id="18" name="Picture 3">
-            <a:extLst>
-              <a:ext uri="{FF2B5EF4-FFF2-40B4-BE49-F238E27FC236}">
-                <a16:creationId xmlns:a16="http://schemas.microsoft.com/office/drawing/2014/main" id="{BE0E3D33-E85D-4FDE-8C3D-D20045574BBD}"/>
-              </a:ext>
-            </a:extLst>
-          </p:cNvPr>
+          <p:cNvPr id="18" name="Picture 3"/>
           <p:cNvPicPr>
             <a:picLocks noChangeAspect="1" noChangeArrowheads="1"/>
           </p:cNvPicPr>
           <p:nvPr/>
         </p:nvPicPr>
-        <p:blipFill>
-          <a:blip r:embed="rId3">
-            <a:extLst>
-              <a:ext uri="{28A0092B-C50C-407E-A947-70E740481C1C}">
-                <a14:useLocalDpi xmlns:a14="http://schemas.microsoft.com/office/drawing/2010/main" val="0"/>
-              </a:ext>
-            </a:extLst>
-          </a:blip>
+        <p:blipFill rotWithShape="1">
+          <a:blip r:embed="rId3"/>
           <a:srcRect/>
           <a:stretch>
             <a:fillRect/>
           </a:stretch>
         </p:blipFill>
-        <p:spPr bwMode="auto">
+        <p:spPr>
           <a:xfrm>
             <a:off x="2339752" y="3850552"/>
             <a:ext cx="1076398" cy="360771"/>
@@ -24751,43 +24676,18 @@
           <a:ln>
             <a:noFill/>
           </a:ln>
-          <a:extLst>
-            <a:ext uri="{909E8E84-426E-40DD-AFC4-6F175D3DCCD1}">
-              <a14:hiddenFill xmlns:a14="http://schemas.microsoft.com/office/drawing/2010/main">
-                <a:solidFill>
-                  <a:schemeClr val="accent1"/>
-                </a:solidFill>
-              </a14:hiddenFill>
-            </a:ext>
-            <a:ext uri="{91240B29-F687-4F45-9708-019B960494DF}">
-              <a14:hiddenLine xmlns:a14="http://schemas.microsoft.com/office/drawing/2010/main" w="9525">
-                <a:solidFill>
-                  <a:schemeClr val="tx1"/>
-                </a:solidFill>
-                <a:miter lim="800000"/>
-                <a:headEnd/>
-                <a:tailEnd/>
-              </a14:hiddenLine>
-            </a:ext>
-          </a:extLst>
         </p:spPr>
       </p:pic>
       <p:sp>
         <p:nvSpPr>
-          <p:cNvPr id="19" name="직사각형 18">
-            <a:extLst>
-              <a:ext uri="{FF2B5EF4-FFF2-40B4-BE49-F238E27FC236}">
-                <a16:creationId xmlns:a16="http://schemas.microsoft.com/office/drawing/2014/main" id="{083F5FB7-0D0E-4EE6-984D-623C8606622C}"/>
-              </a:ext>
-            </a:extLst>
-          </p:cNvPr>
+          <p:cNvPr id="19" name="직사각형 18"/>
           <p:cNvSpPr/>
           <p:nvPr/>
         </p:nvSpPr>
         <p:spPr>
           <a:xfrm>
             <a:off x="3416150" y="3845097"/>
-            <a:ext cx="1138453" cy="384721"/>
+            <a:ext cx="1138453" cy="372573"/>
           </a:xfrm>
           <a:prstGeom prst="rect">
             <a:avLst/>
@@ -24799,34 +24699,92 @@
           </a:bodyPr>
           <a:lstStyle/>
           <a:p>
+            <a:pPr lvl="0">
+              <a:defRPr/>
+            </a:pPr>
             <a:r>
               <a:rPr lang="en-US" altLang="ko-KR" sz="1900">
-                <a:latin typeface="맑은 고딕" pitchFamily="50" charset="-127"/>
-                <a:ea typeface="맑은 고딕" pitchFamily="50" charset="-127"/>
+                <a:latin typeface="맑은 고딕"/>
+                <a:ea typeface="맑은 고딕"/>
               </a:rPr>
               <a:t>76~77</a:t>
             </a:r>
             <a:r>
               <a:rPr lang="ko-KR" altLang="en-US" sz="1900">
-                <a:latin typeface="맑은 고딕" pitchFamily="50" charset="-127"/>
-                <a:ea typeface="맑은 고딕" pitchFamily="50" charset="-127"/>
+                <a:latin typeface="맑은 고딕"/>
+                <a:ea typeface="맑은 고딕"/>
               </a:rPr>
               <a:t>쪽</a:t>
             </a:r>
-            <a:endParaRPr lang="ko-KR" altLang="en-US" sz="1900" dirty="0"/>
+            <a:endParaRPr lang="ko-KR" altLang="en-US" sz="1900"/>
+          </a:p>
+        </p:txBody>
+      </p:sp>
+      <p:sp>
+        <p:nvSpPr>
+          <p:cNvPr id="23" name="타원 18"/>
+          <p:cNvSpPr/>
+          <p:nvPr/>
+        </p:nvSpPr>
+        <p:spPr>
+          <a:xfrm>
+            <a:off x="7470068" y="4991180"/>
+            <a:ext cx="1188132" cy="1188132"/>
+          </a:xfrm>
+          <a:prstGeom prst="ellipse">
+            <a:avLst/>
+          </a:prstGeom>
+          <a:solidFill>
+            <a:srgbClr val="c00000"/>
+          </a:solidFill>
+          <a:ln w="12700">
+            <a:noFill/>
+          </a:ln>
+        </p:spPr>
+        <p:style>
+          <a:lnRef idx="2">
+            <a:schemeClr val="accent1">
+              <a:shade val="50000"/>
+            </a:schemeClr>
+          </a:lnRef>
+          <a:fillRef idx="1">
+            <a:schemeClr val="accent1"/>
+          </a:fillRef>
+          <a:effectRef idx="0">
+            <a:schemeClr val="accent1"/>
+          </a:effectRef>
+          <a:fontRef idx="minor">
+            <a:schemeClr val="lt1"/>
+          </a:fontRef>
+        </p:style>
+        <p:txBody>
+          <a:bodyPr anchor="ctr"/>
+          <a:lstStyle/>
+          <a:p>
+            <a:pPr algn="ctr">
+              <a:defRPr/>
+            </a:pPr>
+            <a:r>
+              <a:rPr lang="ko-KR" altLang="en-US"/>
+              <a:t>완료</a:t>
+            </a:r>
+            <a:endParaRPr lang="ko-KR" altLang="en-US"/>
           </a:p>
         </p:txBody>
       </p:sp>
     </p:spTree>
-    <p:extLst>
-      <p:ext uri="{BB962C8B-B14F-4D97-AF65-F5344CB8AC3E}">
-        <p14:creationId xmlns:p14="http://schemas.microsoft.com/office/powerpoint/2010/main" val="2076592481"/>
-      </p:ext>
-    </p:extLst>
   </p:cSld>
   <p:clrMapOvr>
     <a:masterClrMapping/>
   </p:clrMapOvr>
+  <mc:AlternateContent xmlns:mc="http://schemas.openxmlformats.org/markup-compatibility/2006">
+    <mc:Choice xmlns:p14="http://schemas.microsoft.com/office/powerpoint/2010/main" Requires="p14">
+      <p:transition xmlns:mc="http://schemas.openxmlformats.org/markup-compatibility/2006" xmlns:p14="http://schemas.microsoft.com/office/powerpoint/2010/main" mc:Ignorable="p14" p14:dur="500"/>
+    </mc:Choice>
+    <mc:Fallback>
+      <p:transition/>
+    </mc:Fallback>
+  </mc:AlternateContent>
 </p:sld>
 </file>
 
@@ -30194,7 +30152,7 @@
 </file>
 
 <file path=ppt/slides/slide3.xml><?xml version="1.0" encoding="utf-8"?>
-<p:sld xmlns:a="http://schemas.openxmlformats.org/drawingml/2006/main" xmlns:r="http://schemas.openxmlformats.org/officeDocument/2006/relationships" xmlns:p="http://schemas.openxmlformats.org/presentationml/2006/main">
+<p:sld xmlns:r="http://schemas.openxmlformats.org/officeDocument/2006/relationships" xmlns:c="http://schemas.openxmlformats.org/drawingml/2006/chart" xmlns:a="http://schemas.openxmlformats.org/drawingml/2006/main" xmlns:dgm="http://schemas.openxmlformats.org/drawingml/2006/diagram" xmlns:dsp="http://schemas.microsoft.com/office/drawing/2008/diagram" xmlns:p="http://schemas.openxmlformats.org/presentationml/2006/main">
   <p:cSld>
     <p:spTree>
       <p:nvGrpSpPr>
@@ -30225,23 +30183,15 @@
         <a:graphic>
           <a:graphicData uri="http://schemas.openxmlformats.org/drawingml/2006/table">
             <a:tbl>
-              <a:tblPr/>
               <a:tblGrid>
-                <a:gridCol w="2016125">
-                  <a:extLst>
-                    <a:ext uri="{9D8B030D-6E8A-4147-A177-3AD203B41FA5}">
-                      <a16:colId xmlns:a16="http://schemas.microsoft.com/office/drawing/2014/main" val="20000"/>
-                    </a:ext>
-                  </a:extLst>
-                </a:gridCol>
+                <a:gridCol w="2016125"/>
               </a:tblGrid>
               <a:tr h="189064">
                 <a:tc>
                   <a:txBody>
-                    <a:bodyPr/>
-                    <a:lstStyle/>
+                    <a:bodyPr vert="horz" lIns="53929" tIns="25167" rIns="53929" bIns="25167" anchor="ctr" anchorCtr="0"/>
                     <a:p>
-                      <a:pPr marL="0" marR="0" lvl="0" indent="0" algn="l" defTabSz="850900" rtl="0" eaLnBrk="1" fontAlgn="base" latinLnBrk="1" hangingPunct="1">
+                      <a:pPr marL="0" marR="0" lvl="0" indent="0" algn="l" defTabSz="850900" rtl="0" eaLnBrk="1" latinLnBrk="1" hangingPunct="1">
                         <a:lnSpc>
                           <a:spcPct val="90000"/>
                         </a:lnSpc>
@@ -30252,35 +30202,28 @@
                           <a:spcPct val="0"/>
                         </a:spcAft>
                         <a:buClrTx/>
-                        <a:buSzTx/>
                         <a:buFontTx/>
                         <a:buNone/>
-                        <a:tabLst/>
+                        <a:defRPr/>
                       </a:pPr>
                       <a:r>
-                        <a:rPr kumimoji="1" lang="en-US" altLang="ko-KR" sz="1000" b="0" i="0" u="none" strike="noStrike" cap="none" normalizeH="0" baseline="0" dirty="0">
-                          <a:ln>
-                            <a:noFill/>
-                          </a:ln>
+                        <a:rPr kumimoji="1" lang="en-US" altLang="ko-KR" sz="1000" b="0" i="0" u="none" strike="noStrike" cap="none" normalizeH="0" baseline="0">
                           <a:solidFill>
                             <a:schemeClr val="tx1"/>
                           </a:solidFill>
                           <a:effectLst/>
-                          <a:latin typeface="맑은 고딕" pitchFamily="50" charset="-127"/>
-                          <a:ea typeface="맑은 고딕" pitchFamily="50" charset="-127"/>
+                          <a:latin typeface="맑은 고딕"/>
+                          <a:ea typeface="맑은 고딕"/>
                         </a:rPr>
                         <a:t>Θ Description &amp; Function</a:t>
                       </a:r>
-                      <a:endParaRPr kumimoji="1" lang="ko-KR" altLang="en-US" sz="1000" b="0" i="0" u="none" strike="noStrike" cap="none" normalizeH="0" baseline="0" dirty="0">
-                        <a:ln>
-                          <a:noFill/>
-                        </a:ln>
+                      <a:endParaRPr kumimoji="1" lang="ko-KR" altLang="en-US" sz="1000" b="0" i="0" u="none" strike="noStrike" cap="none" normalizeH="0" baseline="0">
                         <a:solidFill>
                           <a:schemeClr val="tx1"/>
                         </a:solidFill>
                         <a:effectLst/>
-                        <a:latin typeface="맑은 고딕" pitchFamily="50" charset="-127"/>
-                        <a:ea typeface="맑은 고딕" pitchFamily="50" charset="-127"/>
+                        <a:latin typeface="맑은 고딕"/>
+                        <a:ea typeface="맑은 고딕"/>
                       </a:endParaRPr>
                     </a:p>
                   </a:txBody>
@@ -30291,8 +30234,6 @@
                       </a:solidFill>
                       <a:prstDash val="solid"/>
                       <a:round/>
-                      <a:headEnd type="none" w="med" len="med"/>
-                      <a:tailEnd type="none" w="med" len="med"/>
                     </a:lnL>
                     <a:lnR w="12700" cap="flat" cmpd="sng" algn="ctr">
                       <a:solidFill>
@@ -30300,8 +30241,6 @@
                       </a:solidFill>
                       <a:prstDash val="solid"/>
                       <a:round/>
-                      <a:headEnd type="none" w="med" len="med"/>
-                      <a:tailEnd type="none" w="med" len="med"/>
                     </a:lnR>
                     <a:lnT w="12700" cap="flat" cmpd="sng" algn="ctr">
                       <a:solidFill>
@@ -30309,8 +30248,6 @@
                       </a:solidFill>
                       <a:prstDash val="solid"/>
                       <a:round/>
-                      <a:headEnd type="none" w="med" len="med"/>
-                      <a:tailEnd type="none" w="med" len="med"/>
                     </a:lnT>
                     <a:lnB w="12700" cap="flat" cmpd="sng" algn="ctr">
                       <a:solidFill>
@@ -30318,8 +30255,6 @@
                       </a:solidFill>
                       <a:prstDash val="solid"/>
                       <a:round/>
-                      <a:headEnd type="none" w="med" len="med"/>
-                      <a:tailEnd type="none" w="med" len="med"/>
                     </a:lnB>
                     <a:lnTlToBr>
                       <a:noFill/>
@@ -30328,15 +30263,10 @@
                       <a:noFill/>
                     </a:lnBlToTr>
                     <a:solidFill>
-                      <a:srgbClr val="DDDDDD"/>
+                      <a:srgbClr val="dddddd"/>
                     </a:solidFill>
                   </a:tcPr>
                 </a:tc>
-                <a:extLst>
-                  <a:ext uri="{0D108BD9-81ED-4DB2-BD59-A6C34878D82A}">
-                    <a16:rowId xmlns:a16="http://schemas.microsoft.com/office/drawing/2014/main" val="10000"/>
-                  </a:ext>
-                </a:extLst>
               </a:tr>
             </a:tbl>
           </a:graphicData>
@@ -30350,10 +30280,10 @@
           </p:cNvSpPr>
           <p:nvPr/>
         </p:nvSpPr>
-        <p:spPr bwMode="auto">
+        <p:spPr>
           <a:xfrm>
             <a:off x="6984268" y="980728"/>
-            <a:ext cx="2159732" cy="553998"/>
+            <a:ext cx="2159732" cy="541367"/>
           </a:xfrm>
           <a:prstGeom prst="rect">
             <a:avLst/>
@@ -30361,9 +30291,7 @@
           <a:noFill/>
           <a:ln w="9525">
             <a:noFill/>
-            <a:miter lim="800000"/>
-            <a:headEnd/>
-            <a:tailEnd/>
+            <a:miter/>
           </a:ln>
         </p:spPr>
         <p:txBody>
@@ -30375,27 +30303,27 @@
             <a:pPr marL="228600" indent="-228600" algn="just">
               <a:defRPr/>
             </a:pPr>
-            <a:endParaRPr lang="en-US" altLang="ko-KR" sz="1000" dirty="0">
-              <a:latin typeface="맑은 고딕" pitchFamily="50" charset="-127"/>
-              <a:ea typeface="맑은 고딕" pitchFamily="50" charset="-127"/>
+            <a:endParaRPr lang="en-US" altLang="ko-KR" sz="1000">
+              <a:latin typeface="맑은 고딕"/>
+              <a:ea typeface="맑은 고딕"/>
             </a:endParaRPr>
           </a:p>
           <a:p>
             <a:pPr marL="176213" indent="-176213" algn="just">
               <a:defRPr/>
             </a:pPr>
-            <a:endParaRPr lang="en-US" altLang="ko-KR" sz="1000" dirty="0">
-              <a:latin typeface="맑은 고딕" pitchFamily="50" charset="-127"/>
-              <a:ea typeface="맑은 고딕" pitchFamily="50" charset="-127"/>
+            <a:endParaRPr lang="en-US" altLang="ko-KR" sz="1000">
+              <a:latin typeface="맑은 고딕"/>
+              <a:ea typeface="맑은 고딕"/>
             </a:endParaRPr>
           </a:p>
           <a:p>
             <a:pPr marL="176213" indent="-176213" algn="just">
               <a:defRPr/>
             </a:pPr>
-            <a:endParaRPr lang="en-US" altLang="ko-KR" sz="1000" dirty="0">
-              <a:latin typeface="맑은 고딕" pitchFamily="50" charset="-127"/>
-              <a:ea typeface="맑은 고딕" pitchFamily="50" charset="-127"/>
+            <a:endParaRPr lang="en-US" altLang="ko-KR" sz="1000">
+              <a:latin typeface="맑은 고딕"/>
+              <a:ea typeface="맑은 고딕"/>
             </a:endParaRPr>
           </a:p>
         </p:txBody>
@@ -30408,10 +30336,10 @@
           </p:cNvSpPr>
           <p:nvPr/>
         </p:nvSpPr>
-        <p:spPr bwMode="auto">
+        <p:spPr>
           <a:xfrm>
-            <a:off x="7751763" y="115888"/>
-            <a:ext cx="1392237" cy="400110"/>
+            <a:off x="7751762" y="115888"/>
+            <a:ext cx="1392237" cy="387032"/>
           </a:xfrm>
           <a:prstGeom prst="rect">
             <a:avLst/>
@@ -30419,9 +30347,7 @@
           <a:noFill/>
           <a:ln w="9525">
             <a:noFill/>
-            <a:miter lim="800000"/>
-            <a:headEnd/>
-            <a:tailEnd/>
+            <a:miter/>
           </a:ln>
         </p:spPr>
         <p:txBody>
@@ -30430,7 +30356,7 @@
           </a:bodyPr>
           <a:lstStyle/>
           <a:p>
-            <a:pPr lvl="0" algn="just" fontAlgn="auto">
+            <a:pPr lvl="0" algn="just">
               <a:spcBef>
                 <a:spcPts val="0"/>
               </a:spcBef>
@@ -30440,22 +30366,22 @@
               <a:defRPr/>
             </a:pPr>
             <a:r>
-              <a:rPr kumimoji="0" lang="en-US" altLang="ko-KR" sz="1000" dirty="0" smtClean="0">
-                <a:latin typeface="맑은 고딕" pitchFamily="50" charset="-127"/>
-                <a:ea typeface="맑은 고딕" pitchFamily="50" charset="-127"/>
+              <a:rPr kumimoji="0" lang="en-US" altLang="ko-KR" sz="1000">
+                <a:latin typeface="맑은 고딕"/>
+                <a:ea typeface="맑은 고딕"/>
               </a:rPr>
               <a:t>suh_p_0402_03_0011</a:t>
             </a:r>
             <a:r>
-              <a:rPr lang="en-US" altLang="ko-KR" sz="1000" dirty="0" smtClean="0">
-                <a:latin typeface="맑은 고딕" pitchFamily="50" charset="-127"/>
-                <a:ea typeface="맑은 고딕" pitchFamily="50" charset="-127"/>
+              <a:rPr lang="en-US" altLang="ko-KR" sz="1000">
+                <a:latin typeface="맑은 고딕"/>
+                <a:ea typeface="맑은 고딕"/>
               </a:rPr>
               <a:t>_101_1</a:t>
             </a:r>
-            <a:endParaRPr lang="ko-KR" altLang="en-US" sz="1000" dirty="0">
-              <a:latin typeface="맑은 고딕" pitchFamily="50" charset="-127"/>
-              <a:ea typeface="맑은 고딕" pitchFamily="50" charset="-127"/>
+            <a:endParaRPr lang="ko-KR" altLang="en-US" sz="1000">
+              <a:latin typeface="맑은 고딕"/>
+              <a:ea typeface="맑은 고딕"/>
             </a:endParaRPr>
           </a:p>
         </p:txBody>
@@ -30466,13 +30392,7 @@
           <p:cNvGraphicFramePr>
             <a:graphicFrameLocks noGrp="1"/>
           </p:cNvGraphicFramePr>
-          <p:nvPr>
-            <p:extLst>
-              <p:ext uri="{D42A27DB-BD31-4B8C-83A1-F6EECF244321}">
-                <p14:modId xmlns:p14="http://schemas.microsoft.com/office/powerpoint/2010/main" val="1292912524"/>
-              </p:ext>
-            </p:extLst>
-          </p:nvPr>
+          <p:nvPr/>
         </p:nvGraphicFramePr>
         <p:xfrm>
           <a:off x="115384" y="6176630"/>
@@ -30481,30 +30401,16 @@
         <a:graphic>
           <a:graphicData uri="http://schemas.openxmlformats.org/drawingml/2006/table">
             <a:tbl>
-              <a:tblPr/>
               <a:tblGrid>
-                <a:gridCol w="858104">
-                  <a:extLst>
-                    <a:ext uri="{9D8B030D-6E8A-4147-A177-3AD203B41FA5}">
-                      <a16:colId xmlns:a16="http://schemas.microsoft.com/office/drawing/2014/main" val="20000"/>
-                    </a:ext>
-                  </a:extLst>
-                </a:gridCol>
-                <a:gridCol w="2722200">
-                  <a:extLst>
-                    <a:ext uri="{9D8B030D-6E8A-4147-A177-3AD203B41FA5}">
-                      <a16:colId xmlns:a16="http://schemas.microsoft.com/office/drawing/2014/main" val="20001"/>
-                    </a:ext>
-                  </a:extLst>
-                </a:gridCol>
+                <a:gridCol w="858104"/>
+                <a:gridCol w="2722200"/>
               </a:tblGrid>
               <a:tr h="282949">
                 <a:tc>
                   <a:txBody>
-                    <a:bodyPr/>
-                    <a:lstStyle/>
+                    <a:bodyPr vert="horz" lIns="72000" tIns="0" rIns="0" bIns="0" anchor="ctr" anchorCtr="0"/>
                     <a:p>
-                      <a:pPr marL="0" marR="0" lvl="0" indent="0" algn="l" defTabSz="914400" rtl="0" eaLnBrk="1" fontAlgn="base" latinLnBrk="1" hangingPunct="1">
+                      <a:pPr marL="0" marR="0" lvl="0" indent="0" algn="l" defTabSz="914400" rtl="0" eaLnBrk="1" latinLnBrk="1" hangingPunct="1">
                         <a:lnSpc>
                           <a:spcPct val="100000"/>
                         </a:lnSpc>
@@ -30515,38 +30421,32 @@
                           <a:spcPct val="0"/>
                         </a:spcAft>
                         <a:buClrTx/>
-                        <a:buSzTx/>
                         <a:buFontTx/>
                         <a:buNone/>
                         <a:tabLst>
                           <a:tab pos="2700338" algn="ctr"/>
                           <a:tab pos="5400675" algn="r"/>
                         </a:tabLst>
+                        <a:defRPr/>
                       </a:pPr>
                       <a:r>
-                        <a:rPr kumimoji="1" lang="ko-KR" altLang="en-US" sz="1000" b="1" i="0" u="none" strike="noStrike" cap="none" normalizeH="0" baseline="0" dirty="0">
-                          <a:ln>
-                            <a:noFill/>
-                          </a:ln>
+                        <a:rPr kumimoji="1" lang="ko-KR" altLang="en-US" sz="1000" b="1" i="0" u="none" strike="noStrike" cap="none" normalizeH="0" baseline="0">
                           <a:solidFill>
                             <a:schemeClr val="tx1"/>
                           </a:solidFill>
                           <a:effectLst/>
-                          <a:latin typeface="맑은 고딕" pitchFamily="50" charset="-127"/>
-                          <a:ea typeface="맑은 고딕" pitchFamily="50" charset="-127"/>
+                          <a:latin typeface="맑은 고딕"/>
+                          <a:ea typeface="맑은 고딕"/>
                         </a:rPr>
                         <a:t>애니 파일명</a:t>
                       </a:r>
-                      <a:endParaRPr kumimoji="1" lang="en-US" altLang="ko-KR" sz="1000" b="1" i="0" u="none" strike="noStrike" cap="none" normalizeH="0" baseline="0" dirty="0">
-                        <a:ln>
-                          <a:noFill/>
-                        </a:ln>
+                      <a:endParaRPr kumimoji="1" lang="en-US" altLang="ko-KR" sz="1000" b="1" i="0" u="none" strike="noStrike" cap="none" normalizeH="0" baseline="0">
                         <a:solidFill>
                           <a:schemeClr val="tx1"/>
                         </a:solidFill>
                         <a:effectLst/>
-                        <a:latin typeface="맑은 고딕" pitchFamily="50" charset="-127"/>
-                        <a:ea typeface="맑은 고딕" pitchFamily="50" charset="-127"/>
+                        <a:latin typeface="맑은 고딕"/>
+                        <a:ea typeface="맑은 고딕"/>
                       </a:endParaRPr>
                     </a:p>
                   </a:txBody>
@@ -30557,8 +30457,6 @@
                       </a:solidFill>
                       <a:prstDash val="solid"/>
                       <a:round/>
-                      <a:headEnd type="none" w="med" len="med"/>
-                      <a:tailEnd type="none" w="med" len="med"/>
                     </a:lnL>
                     <a:lnR w="12700" cap="flat" cmpd="sng" algn="ctr">
                       <a:solidFill>
@@ -30566,8 +30464,6 @@
                       </a:solidFill>
                       <a:prstDash val="solid"/>
                       <a:round/>
-                      <a:headEnd type="none" w="med" len="med"/>
-                      <a:tailEnd type="none" w="med" len="med"/>
                     </a:lnR>
                     <a:lnT w="12700" cap="flat" cmpd="sng" algn="ctr">
                       <a:solidFill>
@@ -30575,8 +30471,6 @@
                       </a:solidFill>
                       <a:prstDash val="solid"/>
                       <a:round/>
-                      <a:headEnd type="none" w="med" len="med"/>
-                      <a:tailEnd type="none" w="med" len="med"/>
                     </a:lnT>
                     <a:lnB w="12700" cap="flat" cmpd="sng" algn="ctr">
                       <a:solidFill>
@@ -30584,8 +30478,6 @@
                       </a:solidFill>
                       <a:prstDash val="solid"/>
                       <a:round/>
-                      <a:headEnd type="none" w="med" len="med"/>
-                      <a:tailEnd type="none" w="med" len="med"/>
                     </a:lnB>
                     <a:lnTlToBr>
                       <a:noFill/>
@@ -30603,20 +30495,21 @@
                 </a:tc>
                 <a:tc>
                   <a:txBody>
-                    <a:bodyPr/>
-                    <a:lstStyle/>
+                    <a:bodyPr vert="horz" lIns="72000" tIns="0" rIns="0" bIns="0" anchor="ctr" anchorCtr="0"/>
                     <a:p>
-                      <a:pPr algn="l"/>
+                      <a:pPr algn="l">
+                        <a:defRPr/>
+                      </a:pPr>
                       <a:r>
-                        <a:rPr lang="en-US" altLang="ko-KR" sz="1000" dirty="0" smtClean="0">
-                          <a:latin typeface="맑은 고딕" pitchFamily="50" charset="-127"/>
-                          <a:ea typeface="맑은 고딕" pitchFamily="50" charset="-127"/>
+                        <a:rPr lang="en-US" altLang="ko-KR" sz="1000">
+                          <a:latin typeface="맑은 고딕"/>
+                          <a:ea typeface="맑은 고딕"/>
                         </a:rPr>
                         <a:t>mm_42_3_10_01_01_ani.mp4</a:t>
                       </a:r>
-                      <a:endParaRPr lang="en-US" altLang="ko-KR" sz="1000" dirty="0">
-                        <a:latin typeface="맑은 고딕" pitchFamily="50" charset="-127"/>
-                        <a:ea typeface="맑은 고딕" pitchFamily="50" charset="-127"/>
+                      <a:endParaRPr lang="en-US" altLang="ko-KR" sz="1000">
+                        <a:latin typeface="맑은 고딕"/>
+                        <a:ea typeface="맑은 고딕"/>
                       </a:endParaRPr>
                     </a:p>
                   </a:txBody>
@@ -30627,8 +30520,6 @@
                       </a:solidFill>
                       <a:prstDash val="solid"/>
                       <a:round/>
-                      <a:headEnd type="none" w="med" len="med"/>
-                      <a:tailEnd type="none" w="med" len="med"/>
                     </a:lnL>
                     <a:lnR w="12700" cap="flat" cmpd="sng" algn="ctr">
                       <a:solidFill>
@@ -30636,8 +30527,6 @@
                       </a:solidFill>
                       <a:prstDash val="solid"/>
                       <a:round/>
-                      <a:headEnd type="none" w="med" len="med"/>
-                      <a:tailEnd type="none" w="med" len="med"/>
                     </a:lnR>
                     <a:lnT w="12700" cap="flat" cmpd="sng" algn="ctr">
                       <a:solidFill>
@@ -30645,8 +30534,6 @@
                       </a:solidFill>
                       <a:prstDash val="solid"/>
                       <a:round/>
-                      <a:headEnd type="none" w="med" len="med"/>
-                      <a:tailEnd type="none" w="med" len="med"/>
                     </a:lnT>
                     <a:lnB w="12700" cap="flat" cmpd="sng" algn="ctr">
                       <a:solidFill>
@@ -30654,16 +30541,9 @@
                       </a:solidFill>
                       <a:prstDash val="solid"/>
                       <a:round/>
-                      <a:headEnd type="none" w="med" len="med"/>
-                      <a:tailEnd type="none" w="med" len="med"/>
                     </a:lnB>
                   </a:tcPr>
                 </a:tc>
-                <a:extLst>
-                  <a:ext uri="{0D108BD9-81ED-4DB2-BD59-A6C34878D82A}">
-                    <a16:rowId xmlns:a16="http://schemas.microsoft.com/office/drawing/2014/main" val="10000"/>
-                  </a:ext>
-                </a:extLst>
               </a:tr>
             </a:tbl>
           </a:graphicData>
@@ -30677,10 +30557,10 @@
           </p:cNvSpPr>
           <p:nvPr/>
         </p:nvSpPr>
-        <p:spPr bwMode="auto">
+        <p:spPr>
           <a:xfrm>
             <a:off x="6984268" y="980728"/>
-            <a:ext cx="2159732" cy="2285241"/>
+            <a:ext cx="2159732" cy="2255867"/>
           </a:xfrm>
           <a:prstGeom prst="rect">
             <a:avLst/>
@@ -30688,9 +30568,7 @@
           <a:noFill/>
           <a:ln w="9525">
             <a:noFill/>
-            <a:miter lim="800000"/>
-            <a:headEnd/>
-            <a:tailEnd/>
+            <a:miter/>
           </a:ln>
         </p:spPr>
         <p:txBody>
@@ -30703,10 +30581,11 @@
               <a:spcBef>
                 <a:spcPts val="300"/>
               </a:spcBef>
+              <a:defRPr/>
             </a:pPr>
-            <a:endParaRPr lang="en-US" altLang="ko-KR" sz="1000" dirty="0">
-              <a:latin typeface="맑은 고딕" pitchFamily="50" charset="-127"/>
-              <a:ea typeface="맑은 고딕" pitchFamily="50" charset="-127"/>
+            <a:endParaRPr lang="en-US" altLang="ko-KR" sz="1000">
+              <a:latin typeface="맑은 고딕"/>
+              <a:ea typeface="맑은 고딕"/>
             </a:endParaRPr>
           </a:p>
           <a:p>
@@ -30714,130 +30593,64 @@
               <a:spcBef>
                 <a:spcPts val="300"/>
               </a:spcBef>
+              <a:defRPr/>
             </a:pPr>
             <a:r>
-              <a:rPr lang="en-US" altLang="ko-KR" sz="1000" b="1" dirty="0">
+              <a:rPr lang="en-US" altLang="ko-KR" sz="1000" b="1">
                 <a:solidFill>
-                  <a:srgbClr val="FF0000"/>
+                  <a:srgbClr val="ff0000"/>
                 </a:solidFill>
-                <a:latin typeface="맑은 고딕" pitchFamily="50" charset="-127"/>
-                <a:ea typeface="맑은 고딕" pitchFamily="50" charset="-127"/>
+                <a:latin typeface="맑은 고딕"/>
+                <a:ea typeface="맑은 고딕"/>
               </a:rPr>
               <a:t>[</a:t>
             </a:r>
             <a:r>
-              <a:rPr lang="ko-KR" altLang="en-US" sz="1000" b="1" dirty="0">
+              <a:rPr lang="ko-KR" altLang="en-US" sz="1000" b="1">
                 <a:solidFill>
-                  <a:srgbClr val="FF0000"/>
+                  <a:srgbClr val="ff0000"/>
                 </a:solidFill>
-                <a:latin typeface="맑은 고딕" pitchFamily="50" charset="-127"/>
-                <a:ea typeface="맑은 고딕" pitchFamily="50" charset="-127"/>
+                <a:latin typeface="맑은 고딕"/>
+                <a:ea typeface="맑은 고딕"/>
               </a:rPr>
               <a:t>애니 </a:t>
             </a:r>
             <a:r>
-              <a:rPr lang="en-US" altLang="ko-KR" sz="1000" b="1" dirty="0">
+              <a:rPr lang="en-US" altLang="ko-KR" sz="1000" b="1">
                 <a:solidFill>
-                  <a:srgbClr val="FF0000"/>
+                  <a:srgbClr val="ff0000"/>
                 </a:solidFill>
-                <a:latin typeface="맑은 고딕" pitchFamily="50" charset="-127"/>
-                <a:ea typeface="맑은 고딕" pitchFamily="50" charset="-127"/>
+                <a:latin typeface="맑은 고딕"/>
+                <a:ea typeface="맑은 고딕"/>
               </a:rPr>
               <a:t>DVD </a:t>
             </a:r>
             <a:r>
-              <a:rPr lang="ko-KR" altLang="en-US" sz="1000" b="1" dirty="0" err="1">
+              <a:rPr lang="ko-KR" altLang="en-US" sz="1000" b="1">
                 <a:solidFill>
-                  <a:srgbClr val="FF0000"/>
+                  <a:srgbClr val="ff0000"/>
                 </a:solidFill>
-                <a:latin typeface="맑은 고딕" pitchFamily="50" charset="-127"/>
-                <a:ea typeface="맑은 고딕" pitchFamily="50" charset="-127"/>
+                <a:latin typeface="맑은 고딕"/>
+                <a:ea typeface="맑은 고딕"/>
               </a:rPr>
               <a:t>개발물</a:t>
             </a:r>
             <a:r>
-              <a:rPr lang="en-US" altLang="ko-KR" sz="1000" b="1" dirty="0">
+              <a:rPr lang="en-US" altLang="ko-KR" sz="1000" b="1">
                 <a:solidFill>
-                  <a:srgbClr val="FF0000"/>
+                  <a:srgbClr val="ff0000"/>
                 </a:solidFill>
-                <a:latin typeface="맑은 고딕" pitchFamily="50" charset="-127"/>
-                <a:ea typeface="맑은 고딕" pitchFamily="50" charset="-127"/>
+                <a:latin typeface="맑은 고딕"/>
+                <a:ea typeface="맑은 고딕"/>
               </a:rPr>
               <a:t>]</a:t>
             </a:r>
-          </a:p>
-          <a:p>
-            <a:pPr eaLnBrk="1" hangingPunct="1">
-              <a:spcBef>
-                <a:spcPts val="300"/>
-              </a:spcBef>
-            </a:pPr>
-            <a:r>
-              <a:rPr lang="en-US" altLang="ko-KR" sz="1000" dirty="0">
-                <a:latin typeface="맑은 고딕" pitchFamily="50" charset="-127"/>
-                <a:ea typeface="맑은 고딕" pitchFamily="50" charset="-127"/>
-              </a:rPr>
-              <a:t>3_001_2015</a:t>
-            </a:r>
-            <a:r>
-              <a:rPr lang="ko-KR" altLang="en-US" sz="1000" dirty="0">
-                <a:latin typeface="맑은 고딕" pitchFamily="50" charset="-127"/>
-                <a:ea typeface="맑은 고딕" pitchFamily="50" charset="-127"/>
-              </a:rPr>
-              <a:t>개정</a:t>
-            </a:r>
-            <a:r>
-              <a:rPr lang="en-US" altLang="ko-KR" sz="1000" dirty="0">
-                <a:latin typeface="맑은 고딕" pitchFamily="50" charset="-127"/>
-                <a:ea typeface="맑은 고딕" pitchFamily="50" charset="-127"/>
-              </a:rPr>
-              <a:t>\</a:t>
-            </a:r>
-            <a:r>
-              <a:rPr lang="ko-KR" altLang="en-US" sz="1000" dirty="0">
-                <a:latin typeface="맑은 고딕" pitchFamily="50" charset="-127"/>
-                <a:ea typeface="맑은 고딕" pitchFamily="50" charset="-127"/>
-              </a:rPr>
-              <a:t>수학 </a:t>
-            </a:r>
-            <a:r>
-              <a:rPr lang="en-US" altLang="ko-KR" sz="1000" dirty="0">
-                <a:latin typeface="맑은 고딕" pitchFamily="50" charset="-127"/>
-                <a:ea typeface="맑은 고딕" pitchFamily="50" charset="-127"/>
-              </a:rPr>
-              <a:t>4-2 </a:t>
-            </a:r>
-            <a:r>
-              <a:rPr lang="ko-KR" altLang="en-US" sz="1000" dirty="0">
-                <a:latin typeface="맑은 고딕" pitchFamily="50" charset="-127"/>
-                <a:ea typeface="맑은 고딕" pitchFamily="50" charset="-127"/>
-              </a:rPr>
-              <a:t>지도서</a:t>
-            </a:r>
-            <a:r>
-              <a:rPr lang="en-US" altLang="ko-KR" sz="1000" dirty="0">
-                <a:latin typeface="맑은 고딕" pitchFamily="50" charset="-127"/>
-                <a:ea typeface="맑은 고딕" pitchFamily="50" charset="-127"/>
-              </a:rPr>
-              <a:t>\</a:t>
-            </a:r>
-            <a:r>
-              <a:rPr lang="en-US" altLang="ko-KR" sz="1000" dirty="0" smtClean="0">
-                <a:latin typeface="맑은 고딕" pitchFamily="50" charset="-127"/>
-                <a:ea typeface="맑은 고딕" pitchFamily="50" charset="-127"/>
-              </a:rPr>
-              <a:t>app\resource\contents\lesson03\ops\lesson03\video</a:t>
-            </a:r>
-          </a:p>
-          <a:p>
-            <a:pPr eaLnBrk="1" hangingPunct="1">
-              <a:spcBef>
-                <a:spcPts val="300"/>
-              </a:spcBef>
-            </a:pPr>
-            <a:endParaRPr lang="en-US" altLang="ko-KR" sz="1000" dirty="0">
-              <a:latin typeface="맑은 고딕" pitchFamily="50" charset="-127"/>
-              <a:ea typeface="맑은 고딕" pitchFamily="50" charset="-127"/>
+            <a:endParaRPr lang="en-US" altLang="ko-KR" sz="1000" b="1">
+              <a:solidFill>
+                <a:srgbClr val="ff0000"/>
+              </a:solidFill>
+              <a:latin typeface="맑은 고딕"/>
+              <a:ea typeface="맑은 고딕"/>
             </a:endParaRPr>
           </a:p>
           <a:p>
@@ -30845,10 +30658,60 @@
               <a:spcBef>
                 <a:spcPts val="300"/>
               </a:spcBef>
+              <a:defRPr/>
             </a:pPr>
-            <a:endParaRPr lang="en-US" altLang="ko-KR" sz="1000" dirty="0">
-              <a:latin typeface="맑은 고딕" pitchFamily="50" charset="-127"/>
-              <a:ea typeface="맑은 고딕" pitchFamily="50" charset="-127"/>
+            <a:r>
+              <a:rPr lang="en-US" altLang="ko-KR" sz="1000">
+                <a:latin typeface="맑은 고딕"/>
+                <a:ea typeface="맑은 고딕"/>
+              </a:rPr>
+              <a:t>3_001_2015</a:t>
+            </a:r>
+            <a:r>
+              <a:rPr lang="ko-KR" altLang="en-US" sz="1000">
+                <a:latin typeface="맑은 고딕"/>
+                <a:ea typeface="맑은 고딕"/>
+              </a:rPr>
+              <a:t>개정</a:t>
+            </a:r>
+            <a:r>
+              <a:rPr lang="en-US" altLang="ko-KR" sz="1000">
+                <a:latin typeface="맑은 고딕"/>
+                <a:ea typeface="맑은 고딕"/>
+              </a:rPr>
+              <a:t>\</a:t>
+            </a:r>
+            <a:r>
+              <a:rPr lang="ko-KR" altLang="en-US" sz="1000">
+                <a:latin typeface="맑은 고딕"/>
+                <a:ea typeface="맑은 고딕"/>
+              </a:rPr>
+              <a:t>수학 </a:t>
+            </a:r>
+            <a:r>
+              <a:rPr lang="en-US" altLang="ko-KR" sz="1000">
+                <a:latin typeface="맑은 고딕"/>
+                <a:ea typeface="맑은 고딕"/>
+              </a:rPr>
+              <a:t>4-2 </a:t>
+            </a:r>
+            <a:r>
+              <a:rPr lang="ko-KR" altLang="en-US" sz="1000">
+                <a:latin typeface="맑은 고딕"/>
+                <a:ea typeface="맑은 고딕"/>
+              </a:rPr>
+              <a:t>지도서</a:t>
+            </a:r>
+            <a:r>
+              <a:rPr lang="en-US" altLang="ko-KR" sz="1000">
+                <a:latin typeface="맑은 고딕"/>
+                <a:ea typeface="맑은 고딕"/>
+              </a:rPr>
+              <a:t>\app\resource\contents\lesson03\ops\lesson03\video</a:t>
+            </a:r>
+            <a:endParaRPr lang="en-US" altLang="ko-KR" sz="1000">
+              <a:latin typeface="맑은 고딕"/>
+              <a:ea typeface="맑은 고딕"/>
             </a:endParaRPr>
           </a:p>
           <a:p>
@@ -30856,42 +30719,57 @@
               <a:spcBef>
                 <a:spcPts val="300"/>
               </a:spcBef>
+              <a:defRPr/>
+            </a:pPr>
+            <a:endParaRPr lang="en-US" altLang="ko-KR" sz="1000">
+              <a:latin typeface="맑은 고딕"/>
+              <a:ea typeface="맑은 고딕"/>
+            </a:endParaRPr>
+          </a:p>
+          <a:p>
+            <a:pPr eaLnBrk="1" hangingPunct="1">
+              <a:spcBef>
+                <a:spcPts val="300"/>
+              </a:spcBef>
+              <a:defRPr/>
+            </a:pPr>
+            <a:endParaRPr lang="en-US" altLang="ko-KR" sz="1000">
+              <a:latin typeface="맑은 고딕"/>
+              <a:ea typeface="맑은 고딕"/>
+            </a:endParaRPr>
+          </a:p>
+          <a:p>
+            <a:pPr eaLnBrk="1" hangingPunct="1">
+              <a:spcBef>
+                <a:spcPts val="300"/>
+              </a:spcBef>
+              <a:defRPr/>
             </a:pPr>
             <a:r>
-              <a:rPr lang="en-US" altLang="ko-KR" sz="1000" b="1" dirty="0">
-                <a:latin typeface="맑은 고딕" pitchFamily="50" charset="-127"/>
-                <a:ea typeface="맑은 고딕" pitchFamily="50" charset="-127"/>
+              <a:rPr lang="en-US" altLang="ko-KR" sz="1000" b="1">
+                <a:latin typeface="맑은 고딕"/>
+                <a:ea typeface="맑은 고딕"/>
               </a:rPr>
               <a:t>[</a:t>
             </a:r>
             <a:r>
-              <a:rPr lang="ko-KR" altLang="en-US" sz="1000" b="1" dirty="0">
-                <a:latin typeface="맑은 고딕" pitchFamily="50" charset="-127"/>
-                <a:ea typeface="맑은 고딕" pitchFamily="50" charset="-127"/>
+              <a:rPr lang="ko-KR" altLang="en-US" sz="1000" b="1">
+                <a:latin typeface="맑은 고딕"/>
+                <a:ea typeface="맑은 고딕"/>
               </a:rPr>
-              <a:t>애니 </a:t>
+              <a:t>애니 게이트 참고 화면</a:t>
             </a:r>
             <a:r>
-              <a:rPr lang="ko-KR" altLang="en-US" sz="1000" b="1" dirty="0" err="1">
-                <a:latin typeface="맑은 고딕" pitchFamily="50" charset="-127"/>
-                <a:ea typeface="맑은 고딕" pitchFamily="50" charset="-127"/>
-              </a:rPr>
-              <a:t>게이트</a:t>
-            </a:r>
-            <a:r>
-              <a:rPr lang="ko-KR" altLang="en-US" sz="1000" b="1" dirty="0">
-                <a:latin typeface="맑은 고딕" pitchFamily="50" charset="-127"/>
-                <a:ea typeface="맑은 고딕" pitchFamily="50" charset="-127"/>
-              </a:rPr>
-              <a:t> 참고 화면</a:t>
-            </a:r>
-            <a:r>
-              <a:rPr lang="en-US" altLang="ko-KR" sz="1000" b="1" dirty="0">
-                <a:latin typeface="맑은 고딕" pitchFamily="50" charset="-127"/>
-                <a:ea typeface="맑은 고딕" pitchFamily="50" charset="-127"/>
+              <a:rPr lang="en-US" altLang="ko-KR" sz="1000" b="1">
+                <a:latin typeface="맑은 고딕"/>
+                <a:ea typeface="맑은 고딕"/>
               </a:rPr>
               <a:t>]</a:t>
             </a:r>
+            <a:endParaRPr lang="en-US" altLang="ko-KR" sz="1000" b="1">
+              <a:latin typeface="맑은 고딕"/>
+              <a:ea typeface="맑은 고딕"/>
+            </a:endParaRPr>
           </a:p>
           <a:p>
             <a:pPr eaLnBrk="1" hangingPunct="1">
@@ -30900,10 +30778,11 @@
               </a:spcBef>
               <a:buFontTx/>
               <a:buAutoNum type="arabicPeriod"/>
+              <a:defRPr/>
             </a:pPr>
-            <a:endParaRPr lang="en-US" altLang="ko-KR" sz="1000" dirty="0">
-              <a:latin typeface="맑은 고딕" pitchFamily="50" charset="-127"/>
-              <a:ea typeface="맑은 고딕" pitchFamily="50" charset="-127"/>
+            <a:endParaRPr lang="en-US" altLang="ko-KR" sz="1000">
+              <a:latin typeface="맑은 고딕"/>
+              <a:ea typeface="맑은 고딕"/>
             </a:endParaRPr>
           </a:p>
           <a:p>
@@ -30913,10 +30792,11 @@
               </a:spcBef>
               <a:buFontTx/>
               <a:buAutoNum type="arabicPeriod"/>
+              <a:defRPr/>
             </a:pPr>
-            <a:endParaRPr lang="en-US" altLang="ko-KR" sz="1000" dirty="0">
-              <a:latin typeface="맑은 고딕" pitchFamily="50" charset="-127"/>
-              <a:ea typeface="맑은 고딕" pitchFamily="50" charset="-127"/>
+            <a:endParaRPr lang="en-US" altLang="ko-KR" sz="1000">
+              <a:latin typeface="맑은 고딕"/>
+              <a:ea typeface="맑은 고딕"/>
             </a:endParaRPr>
           </a:p>
           <a:p>
@@ -30926,10 +30806,11 @@
               </a:spcBef>
               <a:buFontTx/>
               <a:buAutoNum type="arabicPeriod"/>
+              <a:defRPr/>
             </a:pPr>
-            <a:endParaRPr lang="en-US" altLang="ko-KR" sz="1000" dirty="0">
-              <a:latin typeface="맑은 고딕" pitchFamily="50" charset="-127"/>
-              <a:ea typeface="맑은 고딕" pitchFamily="50" charset="-127"/>
+            <a:endParaRPr lang="en-US" altLang="ko-KR" sz="1000">
+              <a:latin typeface="맑은 고딕"/>
+              <a:ea typeface="맑은 고딕"/>
             </a:endParaRPr>
           </a:p>
           <a:p>
@@ -30937,10 +30818,11 @@
               <a:spcBef>
                 <a:spcPts val="300"/>
               </a:spcBef>
+              <a:defRPr/>
             </a:pPr>
-            <a:endParaRPr lang="en-US" altLang="ko-KR" sz="1000" dirty="0">
-              <a:latin typeface="맑은 고딕" pitchFamily="50" charset="-127"/>
-              <a:ea typeface="맑은 고딕" pitchFamily="50" charset="-127"/>
+            <a:endParaRPr lang="en-US" altLang="ko-KR" sz="1000">
+              <a:latin typeface="맑은 고딕"/>
+              <a:ea typeface="맑은 고딕"/>
             </a:endParaRPr>
           </a:p>
         </p:txBody>
@@ -30953,20 +30835,14 @@
           </p:cNvPicPr>
           <p:nvPr/>
         </p:nvPicPr>
-        <p:blipFill>
-          <a:blip r:embed="rId2" cstate="print">
-            <a:extLst>
-              <a:ext uri="{28A0092B-C50C-407E-A947-70E740481C1C}">
-                <a14:useLocalDpi xmlns:a14="http://schemas.microsoft.com/office/drawing/2010/main" val="0"/>
-              </a:ext>
-            </a:extLst>
-          </a:blip>
+        <p:blipFill rotWithShape="1">
+          <a:blip r:embed="rId2"/>
           <a:srcRect/>
           <a:stretch>
             <a:fillRect/>
           </a:stretch>
         </p:blipFill>
-        <p:spPr bwMode="auto">
+        <p:spPr>
           <a:xfrm>
             <a:off x="7128285" y="2552468"/>
             <a:ext cx="1836204" cy="1091364"/>
@@ -30978,25 +30854,6 @@
           <a:ln>
             <a:noFill/>
           </a:ln>
-          <a:extLst>
-            <a:ext uri="{909E8E84-426E-40DD-AFC4-6F175D3DCCD1}">
-              <a14:hiddenFill xmlns:a14="http://schemas.microsoft.com/office/drawing/2010/main">
-                <a:solidFill>
-                  <a:schemeClr val="accent1"/>
-                </a:solidFill>
-              </a14:hiddenFill>
-            </a:ext>
-            <a:ext uri="{91240B29-F687-4F45-9708-019B960494DF}">
-              <a14:hiddenLine xmlns:a14="http://schemas.microsoft.com/office/drawing/2010/main" w="9525">
-                <a:solidFill>
-                  <a:schemeClr val="tx1"/>
-                </a:solidFill>
-                <a:miter lim="800000"/>
-                <a:headEnd/>
-                <a:tailEnd/>
-              </a14:hiddenLine>
-            </a:ext>
-          </a:extLst>
         </p:spPr>
       </p:pic>
       <p:pic>
@@ -31007,20 +30864,14 @@
           </p:cNvPicPr>
           <p:nvPr/>
         </p:nvPicPr>
-        <p:blipFill>
-          <a:blip r:embed="rId3">
-            <a:extLst>
-              <a:ext uri="{28A0092B-C50C-407E-A947-70E740481C1C}">
-                <a14:useLocalDpi xmlns:a14="http://schemas.microsoft.com/office/drawing/2010/main" val="0"/>
-              </a:ext>
-            </a:extLst>
-          </a:blip>
+        <p:blipFill rotWithShape="1">
+          <a:blip r:embed="rId3"/>
           <a:srcRect/>
           <a:stretch>
             <a:fillRect/>
           </a:stretch>
         </p:blipFill>
-        <p:spPr bwMode="auto">
+        <p:spPr>
           <a:xfrm>
             <a:off x="63808" y="881612"/>
             <a:ext cx="6920460" cy="4743632"/>
@@ -31029,15 +30880,6 @@
             <a:avLst/>
           </a:prstGeom>
           <a:noFill/>
-          <a:extLst>
-            <a:ext uri="{909E8E84-426E-40DD-AFC4-6F175D3DCCD1}">
-              <a14:hiddenFill xmlns:a14="http://schemas.microsoft.com/office/drawing/2010/main">
-                <a:solidFill>
-                  <a:srgbClr val="FFFFFF"/>
-                </a:solidFill>
-              </a14:hiddenFill>
-            </a:ext>
-          </a:extLst>
         </p:spPr>
       </p:pic>
       <p:grpSp>
@@ -31047,7 +30889,7 @@
           <p:nvPr/>
         </p:nvGrpSpPr>
         <p:grpSpPr>
-          <a:xfrm>
+          <a:xfrm rot="0">
             <a:off x="63808" y="860066"/>
             <a:ext cx="6924993" cy="4755259"/>
             <a:chOff x="3203848" y="813517"/>
@@ -31097,10 +30939,12 @@
             </a:fontRef>
           </p:style>
           <p:txBody>
-            <a:bodyPr rtlCol="0" anchor="ctr"/>
+            <a:bodyPr anchor="ctr"/>
             <a:lstStyle/>
             <a:p>
-              <a:pPr algn="ctr"/>
+              <a:pPr algn="ctr">
+                <a:defRPr/>
+              </a:pPr>
               <a:endParaRPr lang="ko-KR" altLang="en-US"/>
             </a:p>
           </p:txBody>
@@ -31151,66 +30995,44 @@
             </a:fontRef>
           </p:style>
           <p:txBody>
-            <a:bodyPr rtlCol="0" anchor="ctr"/>
+            <a:bodyPr anchor="ctr"/>
             <a:lstStyle/>
             <a:p>
-              <a:pPr algn="ctr"/>
+              <a:pPr algn="ctr">
+                <a:defRPr/>
+              </a:pPr>
               <a:r>
-                <a:rPr lang="ko-KR" altLang="en-US" sz="3600" b="1" dirty="0">
+                <a:rPr lang="ko-KR" altLang="en-US" sz="3600" b="1">
                   <a:solidFill>
                     <a:schemeClr val="accent6">
                       <a:lumMod val="50000"/>
                     </a:schemeClr>
                   </a:solidFill>
-                  <a:latin typeface="맑은 고딕" panose="020B0503020000020004" pitchFamily="50" charset="-127"/>
-                  <a:ea typeface="맑은 고딕" panose="020B0503020000020004" pitchFamily="50" charset="-127"/>
+                  <a:latin typeface="맑은 고딕"/>
+                  <a:ea typeface="맑은 고딕"/>
                 </a:rPr>
-                <a:t>튕겨 </a:t>
+                <a:t>튕겨 튕겨 </a:t>
               </a:r>
               <a:r>
-                <a:rPr lang="ko-KR" altLang="en-US" sz="3600" b="1" dirty="0" err="1">
-                  <a:solidFill>
-                    <a:schemeClr val="accent6">
-                      <a:lumMod val="50000"/>
-                    </a:schemeClr>
-                  </a:solidFill>
-                  <a:latin typeface="맑은 고딕" panose="020B0503020000020004" pitchFamily="50" charset="-127"/>
-                  <a:ea typeface="맑은 고딕" panose="020B0503020000020004" pitchFamily="50" charset="-127"/>
-                </a:rPr>
-                <a:t>튕겨</a:t>
-              </a:r>
-              <a:r>
-                <a:rPr lang="ko-KR" altLang="en-US" sz="3600" b="1" dirty="0">
-                  <a:solidFill>
-                    <a:schemeClr val="accent6">
-                      <a:lumMod val="50000"/>
-                    </a:schemeClr>
-                  </a:solidFill>
-                  <a:latin typeface="맑은 고딕" panose="020B0503020000020004" pitchFamily="50" charset="-127"/>
-                  <a:ea typeface="맑은 고딕" panose="020B0503020000020004" pitchFamily="50" charset="-127"/>
-                </a:rPr>
-                <a:t> </a:t>
-              </a:r>
-              <a:r>
-                <a:rPr lang="ko-KR" altLang="en-US" sz="3600" b="1" dirty="0" err="1">
+                <a:rPr lang="ko-KR" altLang="en-US" sz="3600" b="1">
                   <a:solidFill>
                     <a:schemeClr val="accent6">
                       <a:lumMod val="75000"/>
                     </a:schemeClr>
                   </a:solidFill>
-                  <a:latin typeface="맑은 고딕" panose="020B0503020000020004" pitchFamily="50" charset="-127"/>
-                  <a:ea typeface="맑은 고딕" panose="020B0503020000020004" pitchFamily="50" charset="-127"/>
+                  <a:latin typeface="맑은 고딕"/>
+                  <a:ea typeface="맑은 고딕"/>
                 </a:rPr>
                 <a:t>소수판</a:t>
               </a:r>
-              <a:endParaRPr lang="ko-KR" altLang="en-US" sz="3600" b="1" dirty="0">
+              <a:endParaRPr lang="ko-KR" altLang="en-US" sz="3600" b="1">
                 <a:solidFill>
                   <a:schemeClr val="accent6">
                     <a:lumMod val="75000"/>
                   </a:schemeClr>
                 </a:solidFill>
-                <a:latin typeface="맑은 고딕" panose="020B0503020000020004" pitchFamily="50" charset="-127"/>
-                <a:ea typeface="맑은 고딕" panose="020B0503020000020004" pitchFamily="50" charset="-127"/>
+                <a:latin typeface="맑은 고딕"/>
+                <a:ea typeface="맑은 고딕"/>
               </a:endParaRPr>
             </a:p>
           </p:txBody>
@@ -31255,10 +31077,12 @@
             </a:fontRef>
           </p:style>
           <p:txBody>
-            <a:bodyPr rtlCol="0" anchor="ctr"/>
+            <a:bodyPr anchor="ctr"/>
             <a:lstStyle/>
             <a:p>
-              <a:pPr algn="ctr"/>
+              <a:pPr algn="ctr">
+                <a:defRPr/>
+              </a:pPr>
               <a:endParaRPr lang="ko-KR" altLang="en-US"/>
             </a:p>
           </p:txBody>
@@ -31275,7 +31099,9 @@
               <a:ext cx="208823" cy="180020"/>
             </a:xfrm>
             <a:prstGeom prst="triangle">
-              <a:avLst/>
+              <a:avLst>
+                <a:gd name="adj" fmla="val 50000"/>
+              </a:avLst>
             </a:prstGeom>
             <a:solidFill>
               <a:schemeClr val="bg1"/>
@@ -31303,30 +31129,87 @@
             </a:fontRef>
           </p:style>
           <p:txBody>
-            <a:bodyPr rtlCol="0" anchor="ctr"/>
+            <a:bodyPr anchor="ctr"/>
             <a:lstStyle/>
             <a:p>
-              <a:pPr algn="ctr"/>
+              <a:pPr algn="ctr">
+                <a:defRPr/>
+              </a:pPr>
               <a:endParaRPr lang="ko-KR" altLang="en-US"/>
             </a:p>
           </p:txBody>
         </p:sp>
       </p:grpSp>
+      <p:sp>
+        <p:nvSpPr>
+          <p:cNvPr id="1028" name="타원 18"/>
+          <p:cNvSpPr/>
+          <p:nvPr/>
+        </p:nvSpPr>
+        <p:spPr>
+          <a:xfrm>
+            <a:off x="7470068" y="4991180"/>
+            <a:ext cx="1188132" cy="1188132"/>
+          </a:xfrm>
+          <a:prstGeom prst="ellipse">
+            <a:avLst/>
+          </a:prstGeom>
+          <a:solidFill>
+            <a:srgbClr val="c00000"/>
+          </a:solidFill>
+          <a:ln w="12700">
+            <a:noFill/>
+          </a:ln>
+        </p:spPr>
+        <p:style>
+          <a:lnRef idx="2">
+            <a:schemeClr val="accent1">
+              <a:shade val="50000"/>
+            </a:schemeClr>
+          </a:lnRef>
+          <a:fillRef idx="1">
+            <a:schemeClr val="accent1"/>
+          </a:fillRef>
+          <a:effectRef idx="0">
+            <a:schemeClr val="accent1"/>
+          </a:effectRef>
+          <a:fontRef idx="minor">
+            <a:schemeClr val="lt1"/>
+          </a:fontRef>
+        </p:style>
+        <p:txBody>
+          <a:bodyPr anchor="ctr"/>
+          <a:lstStyle/>
+          <a:p>
+            <a:pPr algn="ctr">
+              <a:defRPr/>
+            </a:pPr>
+            <a:r>
+              <a:rPr lang="ko-KR" altLang="en-US"/>
+              <a:t>완료</a:t>
+            </a:r>
+            <a:endParaRPr lang="ko-KR" altLang="en-US"/>
+          </a:p>
+        </p:txBody>
+      </p:sp>
     </p:spTree>
-    <p:extLst>
-      <p:ext uri="{BB962C8B-B14F-4D97-AF65-F5344CB8AC3E}">
-        <p14:creationId xmlns:p14="http://schemas.microsoft.com/office/powerpoint/2010/main" val="2525259009"/>
-      </p:ext>
-    </p:extLst>
   </p:cSld>
   <p:clrMapOvr>
     <a:masterClrMapping/>
   </p:clrMapOvr>
+  <mc:AlternateContent xmlns:mc="http://schemas.openxmlformats.org/markup-compatibility/2006">
+    <mc:Choice xmlns:p14="http://schemas.microsoft.com/office/powerpoint/2010/main" Requires="p14">
+      <p:transition xmlns:mc="http://schemas.openxmlformats.org/markup-compatibility/2006" xmlns:p14="http://schemas.microsoft.com/office/powerpoint/2010/main" mc:Ignorable="p14" p14:dur="500"/>
+    </mc:Choice>
+    <mc:Fallback>
+      <p:transition/>
+    </mc:Fallback>
+  </mc:AlternateContent>
 </p:sld>
 </file>
 
 <file path=ppt/slides/slide4.xml><?xml version="1.0" encoding="utf-8"?>
-<p:sld xmlns:a="http://schemas.openxmlformats.org/drawingml/2006/main" xmlns:r="http://schemas.openxmlformats.org/officeDocument/2006/relationships" xmlns:p="http://schemas.openxmlformats.org/presentationml/2006/main">
+<p:sld xmlns:r="http://schemas.openxmlformats.org/officeDocument/2006/relationships" xmlns:c="http://schemas.openxmlformats.org/drawingml/2006/chart" xmlns:a="http://schemas.openxmlformats.org/drawingml/2006/main" xmlns:dgm="http://schemas.openxmlformats.org/drawingml/2006/diagram" xmlns:dsp="http://schemas.microsoft.com/office/drawing/2008/diagram" xmlns:p="http://schemas.openxmlformats.org/presentationml/2006/main">
   <p:cSld>
     <p:spTree>
       <p:nvGrpSpPr>
@@ -31357,23 +31240,15 @@
         <a:graphic>
           <a:graphicData uri="http://schemas.openxmlformats.org/drawingml/2006/table">
             <a:tbl>
-              <a:tblPr/>
               <a:tblGrid>
-                <a:gridCol w="2016125">
-                  <a:extLst>
-                    <a:ext uri="{9D8B030D-6E8A-4147-A177-3AD203B41FA5}">
-                      <a16:colId xmlns:a16="http://schemas.microsoft.com/office/drawing/2014/main" val="20000"/>
-                    </a:ext>
-                  </a:extLst>
-                </a:gridCol>
+                <a:gridCol w="2016125"/>
               </a:tblGrid>
               <a:tr h="189064">
                 <a:tc>
                   <a:txBody>
-                    <a:bodyPr/>
-                    <a:lstStyle/>
+                    <a:bodyPr vert="horz" lIns="53929" tIns="25167" rIns="53929" bIns="25167" anchor="ctr" anchorCtr="0"/>
                     <a:p>
-                      <a:pPr marL="0" marR="0" lvl="0" indent="0" algn="l" defTabSz="850900" rtl="0" eaLnBrk="1" fontAlgn="base" latinLnBrk="1" hangingPunct="1">
+                      <a:pPr marL="0" marR="0" lvl="0" indent="0" algn="l" defTabSz="850900" rtl="0" eaLnBrk="1" latinLnBrk="1" hangingPunct="1">
                         <a:lnSpc>
                           <a:spcPct val="90000"/>
                         </a:lnSpc>
@@ -31384,35 +31259,28 @@
                           <a:spcPct val="0"/>
                         </a:spcAft>
                         <a:buClrTx/>
-                        <a:buSzTx/>
                         <a:buFontTx/>
                         <a:buNone/>
-                        <a:tabLst/>
+                        <a:defRPr/>
                       </a:pPr>
                       <a:r>
-                        <a:rPr kumimoji="1" lang="en-US" altLang="ko-KR" sz="1000" b="0" i="0" u="none" strike="noStrike" cap="none" normalizeH="0" baseline="0" dirty="0">
-                          <a:ln>
-                            <a:noFill/>
-                          </a:ln>
+                        <a:rPr kumimoji="1" lang="en-US" altLang="ko-KR" sz="1000" b="0" i="0" u="none" strike="noStrike" cap="none" normalizeH="0" baseline="0">
                           <a:solidFill>
                             <a:schemeClr val="tx1"/>
                           </a:solidFill>
                           <a:effectLst/>
-                          <a:latin typeface="맑은 고딕" pitchFamily="50" charset="-127"/>
-                          <a:ea typeface="맑은 고딕" pitchFamily="50" charset="-127"/>
+                          <a:latin typeface="맑은 고딕"/>
+                          <a:ea typeface="맑은 고딕"/>
                         </a:rPr>
                         <a:t>Θ Description &amp; Function</a:t>
                       </a:r>
-                      <a:endParaRPr kumimoji="1" lang="ko-KR" altLang="en-US" sz="1000" b="0" i="0" u="none" strike="noStrike" cap="none" normalizeH="0" baseline="0" dirty="0">
-                        <a:ln>
-                          <a:noFill/>
-                        </a:ln>
+                      <a:endParaRPr kumimoji="1" lang="ko-KR" altLang="en-US" sz="1000" b="0" i="0" u="none" strike="noStrike" cap="none" normalizeH="0" baseline="0">
                         <a:solidFill>
                           <a:schemeClr val="tx1"/>
                         </a:solidFill>
                         <a:effectLst/>
-                        <a:latin typeface="맑은 고딕" pitchFamily="50" charset="-127"/>
-                        <a:ea typeface="맑은 고딕" pitchFamily="50" charset="-127"/>
+                        <a:latin typeface="맑은 고딕"/>
+                        <a:ea typeface="맑은 고딕"/>
                       </a:endParaRPr>
                     </a:p>
                   </a:txBody>
@@ -31423,8 +31291,6 @@
                       </a:solidFill>
                       <a:prstDash val="solid"/>
                       <a:round/>
-                      <a:headEnd type="none" w="med" len="med"/>
-                      <a:tailEnd type="none" w="med" len="med"/>
                     </a:lnL>
                     <a:lnR w="12700" cap="flat" cmpd="sng" algn="ctr">
                       <a:solidFill>
@@ -31432,8 +31298,6 @@
                       </a:solidFill>
                       <a:prstDash val="solid"/>
                       <a:round/>
-                      <a:headEnd type="none" w="med" len="med"/>
-                      <a:tailEnd type="none" w="med" len="med"/>
                     </a:lnR>
                     <a:lnT w="12700" cap="flat" cmpd="sng" algn="ctr">
                       <a:solidFill>
@@ -31441,8 +31305,6 @@
                       </a:solidFill>
                       <a:prstDash val="solid"/>
                       <a:round/>
-                      <a:headEnd type="none" w="med" len="med"/>
-                      <a:tailEnd type="none" w="med" len="med"/>
                     </a:lnT>
                     <a:lnB w="12700" cap="flat" cmpd="sng" algn="ctr">
                       <a:solidFill>
@@ -31450,8 +31312,6 @@
                       </a:solidFill>
                       <a:prstDash val="solid"/>
                       <a:round/>
-                      <a:headEnd type="none" w="med" len="med"/>
-                      <a:tailEnd type="none" w="med" len="med"/>
                     </a:lnB>
                     <a:lnTlToBr>
                       <a:noFill/>
@@ -31460,15 +31320,10 @@
                       <a:noFill/>
                     </a:lnBlToTr>
                     <a:solidFill>
-                      <a:srgbClr val="DDDDDD"/>
+                      <a:srgbClr val="dddddd"/>
                     </a:solidFill>
                   </a:tcPr>
                 </a:tc>
-                <a:extLst>
-                  <a:ext uri="{0D108BD9-81ED-4DB2-BD59-A6C34878D82A}">
-                    <a16:rowId xmlns:a16="http://schemas.microsoft.com/office/drawing/2014/main" val="10000"/>
-                  </a:ext>
-                </a:extLst>
               </a:tr>
             </a:tbl>
           </a:graphicData>
@@ -31491,57 +31346,59 @@
           <a:noFill/>
         </p:spPr>
         <p:txBody>
-          <a:bodyPr wrap="square" rtlCol="0">
+          <a:bodyPr wrap="square">
             <a:spAutoFit/>
           </a:bodyPr>
           <a:lstStyle/>
           <a:p>
-            <a:pPr algn="just"/>
+            <a:pPr algn="just">
+              <a:defRPr/>
+            </a:pPr>
             <a:r>
-              <a:rPr lang="ko-KR" altLang="en-US" sz="1900" dirty="0">
-                <a:latin typeface="맑은 고딕" pitchFamily="50" charset="-127"/>
-                <a:ea typeface="맑은 고딕" pitchFamily="50" charset="-127"/>
+              <a:rPr lang="ko-KR" altLang="en-US" sz="1900">
+                <a:latin typeface="맑은 고딕"/>
+                <a:ea typeface="맑은 고딕"/>
               </a:rPr>
               <a:t>소수의 덧셈과 뺄셈을 활용하여 </a:t>
             </a:r>
             <a:r>
-              <a:rPr lang="en-US" altLang="ko-KR" sz="1900" dirty="0" smtClean="0">
-                <a:latin typeface="맑은 고딕" pitchFamily="50" charset="-127"/>
-                <a:ea typeface="맑은 고딕" pitchFamily="50" charset="-127"/>
+              <a:rPr lang="en-US" altLang="ko-KR" sz="1900">
+                <a:latin typeface="맑은 고딕"/>
+                <a:ea typeface="맑은 고딕"/>
               </a:rPr>
               <a:t>‘</a:t>
             </a:r>
             <a:r>
-              <a:rPr lang="ko-KR" altLang="en-US" sz="1900" dirty="0" smtClean="0">
-                <a:latin typeface="맑은 고딕" pitchFamily="50" charset="-127"/>
-                <a:ea typeface="맑은 고딕" pitchFamily="50" charset="-127"/>
+              <a:rPr lang="ko-KR" altLang="en-US" sz="1900">
+                <a:latin typeface="맑은 고딕"/>
+                <a:ea typeface="맑은 고딕"/>
               </a:rPr>
               <a:t>튕겨 튕겨 소수판</a:t>
             </a:r>
             <a:r>
-              <a:rPr lang="en-US" altLang="ko-KR" sz="1900" dirty="0" smtClean="0">
-                <a:latin typeface="맑은 고딕" pitchFamily="50" charset="-127"/>
-                <a:ea typeface="맑은 고딕" pitchFamily="50" charset="-127"/>
+              <a:rPr lang="en-US" altLang="ko-KR" sz="1900">
+                <a:latin typeface="맑은 고딕"/>
+                <a:ea typeface="맑은 고딕"/>
               </a:rPr>
               <a:t>’ </a:t>
             </a:r>
             <a:r>
-              <a:rPr lang="ko-KR" altLang="en-US" sz="1900" dirty="0" smtClean="0">
-                <a:latin typeface="맑은 고딕" pitchFamily="50" charset="-127"/>
-                <a:ea typeface="맑은 고딕" pitchFamily="50" charset="-127"/>
+              <a:rPr lang="ko-KR" altLang="en-US" sz="1900">
+                <a:latin typeface="맑은 고딕"/>
+                <a:ea typeface="맑은 고딕"/>
               </a:rPr>
               <a:t>놀이를 할 수 있습니다</a:t>
             </a:r>
             <a:r>
-              <a:rPr lang="en-US" altLang="ko-KR" sz="1900" dirty="0" smtClean="0">
-                <a:latin typeface="맑은 고딕" pitchFamily="50" charset="-127"/>
-                <a:ea typeface="맑은 고딕" pitchFamily="50" charset="-127"/>
+              <a:rPr lang="en-US" altLang="ko-KR" sz="1900">
+                <a:latin typeface="맑은 고딕"/>
+                <a:ea typeface="맑은 고딕"/>
               </a:rPr>
               <a:t>.</a:t>
             </a:r>
-            <a:endParaRPr lang="en-US" altLang="ko-KR" sz="1900" dirty="0">
-              <a:latin typeface="맑은 고딕" pitchFamily="50" charset="-127"/>
-              <a:ea typeface="맑은 고딕" pitchFamily="50" charset="-127"/>
+            <a:endParaRPr lang="en-US" altLang="ko-KR" sz="1900">
+              <a:latin typeface="맑은 고딕"/>
+              <a:ea typeface="맑은 고딕"/>
             </a:endParaRPr>
           </a:p>
         </p:txBody>
@@ -31555,7 +31412,7 @@
         <p:spPr>
           <a:xfrm>
             <a:off x="7018371" y="1092168"/>
-            <a:ext cx="2125629" cy="1323439"/>
+            <a:ext cx="2125629" cy="1306227"/>
           </a:xfrm>
           <a:prstGeom prst="rect">
             <a:avLst/>
@@ -31563,93 +31420,107 @@
           <a:noFill/>
         </p:spPr>
         <p:txBody>
-          <a:bodyPr wrap="square" rtlCol="0">
+          <a:bodyPr wrap="square">
             <a:spAutoFit/>
           </a:bodyPr>
           <a:lstStyle/>
           <a:p>
             <a:pPr marL="228600" indent="-228600" algn="just">
               <a:buAutoNum type="arabicPeriod"/>
+              <a:defRPr/>
             </a:pPr>
             <a:r>
-              <a:rPr lang="en-US" altLang="ko-KR" sz="1000" dirty="0">
-                <a:latin typeface="맑은 고딕" pitchFamily="50" charset="-127"/>
-                <a:ea typeface="맑은 고딕" pitchFamily="50" charset="-127"/>
+              <a:rPr lang="en-US" altLang="ko-KR" sz="1000">
+                <a:latin typeface="맑은 고딕"/>
+                <a:ea typeface="맑은 고딕"/>
               </a:rPr>
               <a:t>[</a:t>
             </a:r>
             <a:r>
-              <a:rPr lang="ko-KR" altLang="en-US" sz="1000" dirty="0">
-                <a:latin typeface="맑은 고딕" pitchFamily="50" charset="-127"/>
-                <a:ea typeface="맑은 고딕" pitchFamily="50" charset="-127"/>
+              <a:rPr lang="ko-KR" altLang="en-US" sz="1000">
+                <a:latin typeface="맑은 고딕"/>
+                <a:ea typeface="맑은 고딕"/>
               </a:rPr>
               <a:t>이번 시간에 배울 내용</a:t>
             </a:r>
             <a:r>
-              <a:rPr lang="en-US" altLang="ko-KR" sz="1000" dirty="0">
-                <a:latin typeface="맑은 고딕" pitchFamily="50" charset="-127"/>
-                <a:ea typeface="맑은 고딕" pitchFamily="50" charset="-127"/>
+              <a:rPr lang="en-US" altLang="ko-KR" sz="1000">
+                <a:latin typeface="맑은 고딕"/>
+                <a:ea typeface="맑은 고딕"/>
               </a:rPr>
               <a:t>]</a:t>
             </a:r>
-          </a:p>
-          <a:p>
-            <a:pPr marL="228600" indent="-228600" algn="just">
-              <a:buAutoNum type="arabicPeriod"/>
-            </a:pPr>
-            <a:endParaRPr lang="en-US" altLang="ko-KR" sz="1000" dirty="0">
-              <a:latin typeface="맑은 고딕" pitchFamily="50" charset="-127"/>
-              <a:ea typeface="맑은 고딕" pitchFamily="50" charset="-127"/>
-            </a:endParaRPr>
-          </a:p>
-          <a:p>
-            <a:pPr algn="just"/>
-            <a:endParaRPr lang="en-US" altLang="ko-KR" sz="1000" dirty="0">
-              <a:latin typeface="맑은 고딕" pitchFamily="50" charset="-127"/>
-              <a:ea typeface="맑은 고딕" pitchFamily="50" charset="-127"/>
+            <a:endParaRPr lang="en-US" altLang="ko-KR" sz="1000">
+              <a:latin typeface="맑은 고딕"/>
+              <a:ea typeface="맑은 고딕"/>
             </a:endParaRPr>
           </a:p>
           <a:p>
             <a:pPr marL="228600" indent="-228600" algn="just">
               <a:buAutoNum type="arabicPeriod"/>
+              <a:defRPr/>
             </a:pPr>
-            <a:endParaRPr lang="en-US" altLang="ko-KR" sz="1000" dirty="0">
-              <a:latin typeface="맑은 고딕" pitchFamily="50" charset="-127"/>
-              <a:ea typeface="맑은 고딕" pitchFamily="50" charset="-127"/>
+            <a:endParaRPr lang="en-US" altLang="ko-KR" sz="1000">
+              <a:latin typeface="맑은 고딕"/>
+              <a:ea typeface="맑은 고딕"/>
+            </a:endParaRPr>
+          </a:p>
+          <a:p>
+            <a:pPr algn="just">
+              <a:defRPr/>
+            </a:pPr>
+            <a:endParaRPr lang="en-US" altLang="ko-KR" sz="1000">
+              <a:latin typeface="맑은 고딕"/>
+              <a:ea typeface="맑은 고딕"/>
             </a:endParaRPr>
           </a:p>
           <a:p>
             <a:pPr marL="228600" indent="-228600" algn="just">
               <a:buAutoNum type="arabicPeriod"/>
+              <a:defRPr/>
             </a:pPr>
-            <a:endParaRPr lang="en-US" altLang="ko-KR" sz="1000" dirty="0">
-              <a:latin typeface="맑은 고딕" pitchFamily="50" charset="-127"/>
-              <a:ea typeface="맑은 고딕" pitchFamily="50" charset="-127"/>
+            <a:endParaRPr lang="en-US" altLang="ko-KR" sz="1000">
+              <a:latin typeface="맑은 고딕"/>
+              <a:ea typeface="맑은 고딕"/>
             </a:endParaRPr>
           </a:p>
           <a:p>
             <a:pPr marL="228600" indent="-228600" algn="just">
               <a:buAutoNum type="arabicPeriod"/>
+              <a:defRPr/>
             </a:pPr>
-            <a:endParaRPr lang="en-US" altLang="ko-KR" sz="1000" dirty="0">
-              <a:latin typeface="맑은 고딕" pitchFamily="50" charset="-127"/>
-              <a:ea typeface="맑은 고딕" pitchFamily="50" charset="-127"/>
+            <a:endParaRPr lang="en-US" altLang="ko-KR" sz="1000">
+              <a:latin typeface="맑은 고딕"/>
+              <a:ea typeface="맑은 고딕"/>
             </a:endParaRPr>
           </a:p>
           <a:p>
             <a:pPr marL="228600" indent="-228600" algn="just">
               <a:buAutoNum type="arabicPeriod"/>
+              <a:defRPr/>
             </a:pPr>
-            <a:endParaRPr lang="en-US" altLang="ko-KR" sz="1000" dirty="0">
-              <a:latin typeface="맑은 고딕" pitchFamily="50" charset="-127"/>
-              <a:ea typeface="맑은 고딕" pitchFamily="50" charset="-127"/>
+            <a:endParaRPr lang="en-US" altLang="ko-KR" sz="1000">
+              <a:latin typeface="맑은 고딕"/>
+              <a:ea typeface="맑은 고딕"/>
             </a:endParaRPr>
           </a:p>
           <a:p>
-            <a:pPr marL="228600" indent="-228600" algn="just"/>
-            <a:endParaRPr lang="en-US" altLang="ko-KR" sz="1000" dirty="0">
-              <a:latin typeface="맑은 고딕" pitchFamily="50" charset="-127"/>
-              <a:ea typeface="맑은 고딕" pitchFamily="50" charset="-127"/>
+            <a:pPr marL="228600" indent="-228600" algn="just">
+              <a:buAutoNum type="arabicPeriod"/>
+              <a:defRPr/>
+            </a:pPr>
+            <a:endParaRPr lang="en-US" altLang="ko-KR" sz="1000">
+              <a:latin typeface="맑은 고딕"/>
+              <a:ea typeface="맑은 고딕"/>
+            </a:endParaRPr>
+          </a:p>
+          <a:p>
+            <a:pPr marL="228600" indent="-228600" algn="just">
+              <a:defRPr/>
+            </a:pPr>
+            <a:endParaRPr lang="en-US" altLang="ko-KR" sz="1000">
+              <a:latin typeface="맑은 고딕"/>
+              <a:ea typeface="맑은 고딕"/>
             </a:endParaRPr>
           </a:p>
         </p:txBody>
@@ -31671,27 +31542,30 @@
           <a:noFill/>
         </p:spPr>
         <p:txBody>
-          <a:bodyPr wrap="square" rtlCol="0">
+          <a:bodyPr wrap="square">
             <a:spAutoFit/>
           </a:bodyPr>
           <a:lstStyle/>
           <a:p>
+            <a:pPr lvl="0">
+              <a:defRPr/>
+            </a:pPr>
             <a:r>
-              <a:rPr lang="en-US" altLang="ko-KR" sz="900" b="1" dirty="0">
+              <a:rPr lang="en-US" altLang="ko-KR" sz="900" b="1">
                 <a:solidFill>
                   <a:schemeClr val="bg1"/>
                 </a:solidFill>
-                <a:latin typeface="맑은 고딕" pitchFamily="50" charset="-127"/>
-                <a:ea typeface="맑은 고딕" pitchFamily="50" charset="-127"/>
+                <a:latin typeface="맑은 고딕"/>
+                <a:ea typeface="맑은 고딕"/>
               </a:rPr>
               <a:t>1</a:t>
             </a:r>
-            <a:endParaRPr lang="ko-KR" altLang="en-US" sz="900" b="1" dirty="0">
+            <a:endParaRPr lang="ko-KR" altLang="en-US" sz="900" b="1">
               <a:solidFill>
                 <a:schemeClr val="bg1"/>
               </a:solidFill>
-              <a:latin typeface="맑은 고딕" pitchFamily="50" charset="-127"/>
-              <a:ea typeface="맑은 고딕" pitchFamily="50" charset="-127"/>
+              <a:latin typeface="맑은 고딕"/>
+              <a:ea typeface="맑은 고딕"/>
             </a:endParaRPr>
           </a:p>
         </p:txBody>
@@ -31705,7 +31579,7 @@
         <p:spPr>
           <a:xfrm>
             <a:off x="2087724" y="1304764"/>
-            <a:ext cx="2976607" cy="307777"/>
+            <a:ext cx="2976607" cy="293531"/>
           </a:xfrm>
           <a:prstGeom prst="rect">
             <a:avLst/>
@@ -31715,38 +31589,40 @@
           </a:solidFill>
         </p:spPr>
         <p:txBody>
-          <a:bodyPr wrap="square" rtlCol="0">
+          <a:bodyPr wrap="square">
             <a:spAutoFit/>
           </a:bodyPr>
           <a:lstStyle/>
           <a:p>
-            <a:pPr algn="ctr"/>
+            <a:pPr algn="ctr">
+              <a:defRPr/>
+            </a:pPr>
             <a:r>
-              <a:rPr lang="ko-KR" altLang="en-US" sz="1400" b="1" dirty="0">
+              <a:rPr lang="ko-KR" altLang="en-US" sz="1400" b="1">
                 <a:solidFill>
                   <a:schemeClr val="bg1"/>
                 </a:solidFill>
-                <a:latin typeface="맑은 고딕" pitchFamily="50" charset="-127"/>
-                <a:ea typeface="맑은 고딕" pitchFamily="50" charset="-127"/>
+                <a:latin typeface="맑은 고딕"/>
+                <a:ea typeface="맑은 고딕"/>
               </a:rPr>
               <a:t>이번 시간에는 무엇을 배울까요</a:t>
             </a:r>
             <a:r>
-              <a:rPr lang="en-US" altLang="ko-KR" sz="1400" b="1" dirty="0">
+              <a:rPr lang="en-US" altLang="ko-KR" sz="1400" b="1">
                 <a:solidFill>
                   <a:schemeClr val="bg1"/>
                 </a:solidFill>
-                <a:latin typeface="맑은 고딕" pitchFamily="50" charset="-127"/>
-                <a:ea typeface="맑은 고딕" pitchFamily="50" charset="-127"/>
+                <a:latin typeface="맑은 고딕"/>
+                <a:ea typeface="맑은 고딕"/>
               </a:rPr>
               <a:t>?</a:t>
             </a:r>
-            <a:endParaRPr lang="ko-KR" altLang="en-US" sz="1400" b="1" dirty="0">
+            <a:endParaRPr lang="ko-KR" altLang="en-US" sz="1400" b="1">
               <a:solidFill>
                 <a:schemeClr val="bg1"/>
               </a:solidFill>
-              <a:latin typeface="맑은 고딕" pitchFamily="50" charset="-127"/>
-              <a:ea typeface="맑은 고딕" pitchFamily="50" charset="-127"/>
+              <a:latin typeface="맑은 고딕"/>
+              <a:ea typeface="맑은 고딕"/>
             </a:endParaRPr>
           </a:p>
         </p:txBody>
@@ -31759,10 +31635,10 @@
           </p:cNvSpPr>
           <p:nvPr/>
         </p:nvSpPr>
-        <p:spPr bwMode="auto">
+        <p:spPr>
           <a:xfrm>
-            <a:off x="7751763" y="115888"/>
-            <a:ext cx="1392237" cy="400110"/>
+            <a:off x="7751762" y="115888"/>
+            <a:ext cx="1392237" cy="387032"/>
           </a:xfrm>
           <a:prstGeom prst="rect">
             <a:avLst/>
@@ -31770,9 +31646,7 @@
           <a:noFill/>
           <a:ln w="9525">
             <a:noFill/>
-            <a:miter lim="800000"/>
-            <a:headEnd/>
-            <a:tailEnd/>
+            <a:miter/>
           </a:ln>
         </p:spPr>
         <p:txBody>
@@ -31781,7 +31655,7 @@
           </a:bodyPr>
           <a:lstStyle/>
           <a:p>
-            <a:pPr lvl="0" algn="just" fontAlgn="auto">
+            <a:pPr lvl="0" algn="just">
               <a:spcBef>
                 <a:spcPts val="0"/>
               </a:spcBef>
@@ -31791,22 +31665,22 @@
               <a:defRPr/>
             </a:pPr>
             <a:r>
-              <a:rPr kumimoji="0" lang="en-US" altLang="ko-KR" sz="1000" dirty="0" smtClean="0">
-                <a:latin typeface="맑은 고딕" pitchFamily="50" charset="-127"/>
-                <a:ea typeface="맑은 고딕" pitchFamily="50" charset="-127"/>
+              <a:rPr kumimoji="0" lang="en-US" altLang="ko-KR" sz="1000">
+                <a:latin typeface="맑은 고딕"/>
+                <a:ea typeface="맑은 고딕"/>
               </a:rPr>
               <a:t>suh_p_0402_03_0011</a:t>
             </a:r>
             <a:r>
-              <a:rPr lang="en-US" altLang="ko-KR" sz="1000" dirty="0" smtClean="0">
-                <a:latin typeface="맑은 고딕" pitchFamily="50" charset="-127"/>
-                <a:ea typeface="맑은 고딕" pitchFamily="50" charset="-127"/>
+              <a:rPr lang="en-US" altLang="ko-KR" sz="1000">
+                <a:latin typeface="맑은 고딕"/>
+                <a:ea typeface="맑은 고딕"/>
               </a:rPr>
               <a:t>_102_1</a:t>
             </a:r>
-            <a:endParaRPr lang="ko-KR" altLang="en-US" sz="1000" dirty="0">
-              <a:latin typeface="맑은 고딕" pitchFamily="50" charset="-127"/>
-              <a:ea typeface="맑은 고딕" pitchFamily="50" charset="-127"/>
+            <a:endParaRPr lang="ko-KR" altLang="en-US" sz="1000">
+              <a:latin typeface="맑은 고딕"/>
+              <a:ea typeface="맑은 고딕"/>
             </a:endParaRPr>
           </a:p>
         </p:txBody>
@@ -31819,20 +31693,14 @@
           </p:cNvPicPr>
           <p:nvPr/>
         </p:nvPicPr>
-        <p:blipFill>
-          <a:blip r:embed="rId2">
-            <a:extLst>
-              <a:ext uri="{28A0092B-C50C-407E-A947-70E740481C1C}">
-                <a14:useLocalDpi xmlns:a14="http://schemas.microsoft.com/office/drawing/2010/main" val="0"/>
-              </a:ext>
-            </a:extLst>
-          </a:blip>
+        <p:blipFill rotWithShape="1">
+          <a:blip r:embed="rId2"/>
           <a:srcRect/>
           <a:stretch>
             <a:fillRect/>
           </a:stretch>
         </p:blipFill>
-        <p:spPr bwMode="auto">
+        <p:spPr>
           <a:xfrm>
             <a:off x="502215" y="2183462"/>
             <a:ext cx="114300" cy="123825"/>
@@ -31845,34 +31713,6 @@
             <a:noFill/>
           </a:ln>
           <a:effectLst/>
-          <a:extLst>
-            <a:ext uri="{909E8E84-426E-40DD-AFC4-6F175D3DCCD1}">
-              <a14:hiddenFill xmlns:a14="http://schemas.microsoft.com/office/drawing/2010/main">
-                <a:solidFill>
-                  <a:schemeClr val="accent1"/>
-                </a:solidFill>
-              </a14:hiddenFill>
-            </a:ext>
-            <a:ext uri="{91240B29-F687-4F45-9708-019B960494DF}">
-              <a14:hiddenLine xmlns:a14="http://schemas.microsoft.com/office/drawing/2010/main" w="9525">
-                <a:solidFill>
-                  <a:schemeClr val="tx1"/>
-                </a:solidFill>
-                <a:miter lim="800000"/>
-                <a:headEnd/>
-                <a:tailEnd/>
-              </a14:hiddenLine>
-            </a:ext>
-            <a:ext uri="{AF507438-7753-43E0-B8FC-AC1667EBCBE1}">
-              <a14:hiddenEffects xmlns:a14="http://schemas.microsoft.com/office/drawing/2010/main">
-                <a:effectLst>
-                  <a:outerShdw dist="35921" dir="2700000" algn="ctr" rotWithShape="0">
-                    <a:schemeClr val="bg2"/>
-                  </a:outerShdw>
-                </a:effectLst>
-              </a14:hiddenEffects>
-            </a:ext>
-          </a:extLst>
         </p:spPr>
       </p:pic>
       <p:sp>
@@ -31890,7 +31730,7 @@
             <a:avLst/>
           </a:prstGeom>
           <a:solidFill>
-            <a:srgbClr val="FF0000"/>
+            <a:srgbClr val="ff0000"/>
           </a:solidFill>
           <a:ln w="9525">
             <a:noFill/>
@@ -31923,22 +31763,74 @@
               <a:defRPr/>
             </a:pPr>
             <a:r>
-              <a:rPr lang="en-US" altLang="ko-KR" sz="1100" b="1" dirty="0">
+              <a:rPr lang="en-US" altLang="ko-KR" sz="1100" b="1">
                 <a:solidFill>
                   <a:schemeClr val="bg1"/>
                 </a:solidFill>
-                <a:latin typeface="맑은 고딕" pitchFamily="50" charset="-127"/>
-                <a:ea typeface="맑은 고딕" pitchFamily="50" charset="-127"/>
+                <a:latin typeface="맑은 고딕"/>
+                <a:ea typeface="맑은 고딕"/>
               </a:rPr>
               <a:t>#1</a:t>
             </a:r>
-            <a:endParaRPr lang="ko-KR" altLang="en-US" sz="1100" b="1" dirty="0">
+            <a:endParaRPr lang="ko-KR" altLang="en-US" sz="1100" b="1">
               <a:solidFill>
                 <a:schemeClr val="bg1"/>
               </a:solidFill>
-              <a:latin typeface="맑은 고딕" pitchFamily="50" charset="-127"/>
-              <a:ea typeface="맑은 고딕" pitchFamily="50" charset="-127"/>
+              <a:latin typeface="맑은 고딕"/>
+              <a:ea typeface="맑은 고딕"/>
             </a:endParaRPr>
+          </a:p>
+        </p:txBody>
+      </p:sp>
+      <p:sp>
+        <p:nvSpPr>
+          <p:cNvPr id="27" name="타원 18"/>
+          <p:cNvSpPr/>
+          <p:nvPr/>
+        </p:nvSpPr>
+        <p:spPr>
+          <a:xfrm>
+            <a:off x="7470068" y="4991180"/>
+            <a:ext cx="1188132" cy="1188132"/>
+          </a:xfrm>
+          <a:prstGeom prst="ellipse">
+            <a:avLst/>
+          </a:prstGeom>
+          <a:solidFill>
+            <a:srgbClr val="c00000"/>
+          </a:solidFill>
+          <a:ln w="12700">
+            <a:noFill/>
+          </a:ln>
+        </p:spPr>
+        <p:style>
+          <a:lnRef idx="2">
+            <a:schemeClr val="accent1">
+              <a:shade val="50000"/>
+            </a:schemeClr>
+          </a:lnRef>
+          <a:fillRef idx="1">
+            <a:schemeClr val="accent1"/>
+          </a:fillRef>
+          <a:effectRef idx="0">
+            <a:schemeClr val="accent1"/>
+          </a:effectRef>
+          <a:fontRef idx="minor">
+            <a:schemeClr val="lt1"/>
+          </a:fontRef>
+        </p:style>
+        <p:txBody>
+          <a:bodyPr anchor="ctr"/>
+          <a:lstStyle/>
+          <a:p>
+            <a:pPr algn="ctr">
+              <a:defRPr/>
+            </a:pPr>
+            <a:r>
+              <a:rPr lang="ko-KR" altLang="en-US"/>
+              <a:t>완료</a:t>
+            </a:r>
+            <a:endParaRPr lang="ko-KR" altLang="en-US"/>
           </a:p>
         </p:txBody>
       </p:sp>
@@ -31947,6 +31839,14 @@
   <p:clrMapOvr>
     <a:masterClrMapping/>
   </p:clrMapOvr>
+  <mc:AlternateContent xmlns:mc="http://schemas.openxmlformats.org/markup-compatibility/2006">
+    <mc:Choice xmlns:p14="http://schemas.microsoft.com/office/powerpoint/2010/main" Requires="p14">
+      <p:transition xmlns:mc="http://schemas.openxmlformats.org/markup-compatibility/2006" xmlns:p14="http://schemas.microsoft.com/office/powerpoint/2010/main" mc:Ignorable="p14" p14:dur="500"/>
+    </mc:Choice>
+    <mc:Fallback>
+      <p:transition/>
+    </mc:Fallback>
+  </mc:AlternateContent>
 </p:sld>
 </file>
 
@@ -42614,41 +42514,41 @@
 </file>
 
 <file path=ppt/theme/theme1.xml><?xml version="1.0" encoding="utf-8"?>
-<a:theme xmlns:a="http://schemas.openxmlformats.org/drawingml/2006/main" name="3_기본 디자인">
+<a:theme xmlns:r="http://schemas.openxmlformats.org/officeDocument/2006/relationships" xmlns:c="http://schemas.openxmlformats.org/drawingml/2006/chart" xmlns:dgm="http://schemas.openxmlformats.org/drawingml/2006/diagram" xmlns:dsp="http://schemas.microsoft.com/office/drawing/2008/diagram" xmlns:a="http://schemas.openxmlformats.org/drawingml/2006/main" xmlns:pic="http://schemas.openxmlformats.org/drawingml/2006/picture" xmlns:wp="http://schemas.openxmlformats.org/drawingml/2006/wordprocessingDrawing" xmlns:xdr="http://schemas.openxmlformats.org/drawingml/2006/spreadsheetDrawing" xmlns:p="http://schemas.openxmlformats.org/presentationml/2006/main" name="3_기본 디자인">
   <a:themeElements>
     <a:clrScheme name="Office">
       <a:dk1>
         <a:sysClr val="windowText" lastClr="000000"/>
       </a:dk1>
       <a:lt1>
-        <a:sysClr val="window" lastClr="FFFFFF"/>
+        <a:sysClr val="window" lastClr="ffffff"/>
       </a:lt1>
       <a:dk2>
-        <a:srgbClr val="1F497D"/>
+        <a:srgbClr val="1f497d"/>
       </a:dk2>
       <a:lt2>
-        <a:srgbClr val="EEECE1"/>
+        <a:srgbClr val="eeece1"/>
       </a:lt2>
       <a:accent1>
-        <a:srgbClr val="4F81BD"/>
+        <a:srgbClr val="4f81bd"/>
       </a:accent1>
       <a:accent2>
-        <a:srgbClr val="C0504D"/>
+        <a:srgbClr val="c0504d"/>
       </a:accent2>
       <a:accent3>
-        <a:srgbClr val="9BBB59"/>
+        <a:srgbClr val="9bbb59"/>
       </a:accent3>
       <a:accent4>
-        <a:srgbClr val="8064A2"/>
+        <a:srgbClr val="8064a2"/>
       </a:accent4>
       <a:accent5>
-        <a:srgbClr val="4BACC6"/>
+        <a:srgbClr val="4bacc6"/>
       </a:accent5>
       <a:accent6>
-        <a:srgbClr val="F79646"/>
+        <a:srgbClr val="f79646"/>
       </a:accent6>
       <a:hlink>
-        <a:srgbClr val="0000FF"/>
+        <a:srgbClr val="0000ff"/>
       </a:hlink>
       <a:folHlink>
         <a:srgbClr val="800080"/>
@@ -42839,7 +42739,7 @@
         <a:noFill/>
         <a:ln w="12700">
           <a:solidFill>
-            <a:srgbClr val="FF0000"/>
+            <a:srgbClr val="ff0000"/>
           </a:solidFill>
         </a:ln>
       </a:spPr>
@@ -42867,7 +42767,7 @@
       </a:style>
     </a:spDef>
     <a:lnDef>
-      <a:spPr bwMode="auto">
+      <a:spPr>
         <a:noFill/>
         <a:ln w="38100" cap="flat" cmpd="sng" algn="ctr">
           <a:solidFill>
@@ -42875,8 +42775,6 @@
           </a:solidFill>
           <a:prstDash val="solid"/>
           <a:round/>
-          <a:headEnd type="none" w="med" len="med"/>
-          <a:tailEnd type="none" w="med" len="med"/>
         </a:ln>
         <a:effectLst/>
       </a:spPr>
@@ -42897,512 +42795,18 @@
       </a:lstStyle>
     </a:txDef>
   </a:objectDefaults>
-  <a:extraClrSchemeLst>
-    <a:extraClrScheme>
-      <a:clrScheme name="기본 디자인 1">
-        <a:dk1>
-          <a:srgbClr val="000000"/>
-        </a:dk1>
-        <a:lt1>
-          <a:srgbClr val="FFFFFF"/>
-        </a:lt1>
-        <a:dk2>
-          <a:srgbClr val="000000"/>
-        </a:dk2>
-        <a:lt2>
-          <a:srgbClr val="808080"/>
-        </a:lt2>
-        <a:accent1>
-          <a:srgbClr val="BBE0E3"/>
-        </a:accent1>
-        <a:accent2>
-          <a:srgbClr val="333399"/>
-        </a:accent2>
-        <a:accent3>
-          <a:srgbClr val="FFFFFF"/>
-        </a:accent3>
-        <a:accent4>
-          <a:srgbClr val="000000"/>
-        </a:accent4>
-        <a:accent5>
-          <a:srgbClr val="DAEDEF"/>
-        </a:accent5>
-        <a:accent6>
-          <a:srgbClr val="2D2D8A"/>
-        </a:accent6>
-        <a:hlink>
-          <a:srgbClr val="009999"/>
-        </a:hlink>
-        <a:folHlink>
-          <a:srgbClr val="99CC00"/>
-        </a:folHlink>
-      </a:clrScheme>
-      <a:clrMap bg1="lt1" tx1="dk1" bg2="lt2" tx2="dk2" accent1="accent1" accent2="accent2" accent3="accent3" accent4="accent4" accent5="accent5" accent6="accent6" hlink="hlink" folHlink="folHlink"/>
-    </a:extraClrScheme>
-    <a:extraClrScheme>
-      <a:clrScheme name="기본 디자인 2">
-        <a:dk1>
-          <a:srgbClr val="000000"/>
-        </a:dk1>
-        <a:lt1>
-          <a:srgbClr val="FFFFFF"/>
-        </a:lt1>
-        <a:dk2>
-          <a:srgbClr val="000000"/>
-        </a:dk2>
-        <a:lt2>
-          <a:srgbClr val="969696"/>
-        </a:lt2>
-        <a:accent1>
-          <a:srgbClr val="FBDF53"/>
-        </a:accent1>
-        <a:accent2>
-          <a:srgbClr val="FF9966"/>
-        </a:accent2>
-        <a:accent3>
-          <a:srgbClr val="FFFFFF"/>
-        </a:accent3>
-        <a:accent4>
-          <a:srgbClr val="000000"/>
-        </a:accent4>
-        <a:accent5>
-          <a:srgbClr val="FDECB3"/>
-        </a:accent5>
-        <a:accent6>
-          <a:srgbClr val="E78A5C"/>
-        </a:accent6>
-        <a:hlink>
-          <a:srgbClr val="CC3300"/>
-        </a:hlink>
-        <a:folHlink>
-          <a:srgbClr val="996600"/>
-        </a:folHlink>
-      </a:clrScheme>
-      <a:clrMap bg1="lt1" tx1="dk1" bg2="lt2" tx2="dk2" accent1="accent1" accent2="accent2" accent3="accent3" accent4="accent4" accent5="accent5" accent6="accent6" hlink="hlink" folHlink="folHlink"/>
-    </a:extraClrScheme>
-    <a:extraClrScheme>
-      <a:clrScheme name="기본 디자인 3">
-        <a:dk1>
-          <a:srgbClr val="000000"/>
-        </a:dk1>
-        <a:lt1>
-          <a:srgbClr val="FFFFFF"/>
-        </a:lt1>
-        <a:dk2>
-          <a:srgbClr val="000000"/>
-        </a:dk2>
-        <a:lt2>
-          <a:srgbClr val="808080"/>
-        </a:lt2>
-        <a:accent1>
-          <a:srgbClr val="99CCFF"/>
-        </a:accent1>
-        <a:accent2>
-          <a:srgbClr val="CCCCFF"/>
-        </a:accent2>
-        <a:accent3>
-          <a:srgbClr val="FFFFFF"/>
-        </a:accent3>
-        <a:accent4>
-          <a:srgbClr val="000000"/>
-        </a:accent4>
-        <a:accent5>
-          <a:srgbClr val="CAE2FF"/>
-        </a:accent5>
-        <a:accent6>
-          <a:srgbClr val="B9B9E7"/>
-        </a:accent6>
-        <a:hlink>
-          <a:srgbClr val="3333CC"/>
-        </a:hlink>
-        <a:folHlink>
-          <a:srgbClr val="AF67FF"/>
-        </a:folHlink>
-      </a:clrScheme>
-      <a:clrMap bg1="lt1" tx1="dk1" bg2="lt2" tx2="dk2" accent1="accent1" accent2="accent2" accent3="accent3" accent4="accent4" accent5="accent5" accent6="accent6" hlink="hlink" folHlink="folHlink"/>
-    </a:extraClrScheme>
-    <a:extraClrScheme>
-      <a:clrScheme name="기본 디자인 4">
-        <a:dk1>
-          <a:srgbClr val="000000"/>
-        </a:dk1>
-        <a:lt1>
-          <a:srgbClr val="DEF6F1"/>
-        </a:lt1>
-        <a:dk2>
-          <a:srgbClr val="000000"/>
-        </a:dk2>
-        <a:lt2>
-          <a:srgbClr val="969696"/>
-        </a:lt2>
-        <a:accent1>
-          <a:srgbClr val="FFFFFF"/>
-        </a:accent1>
-        <a:accent2>
-          <a:srgbClr val="8DC6FF"/>
-        </a:accent2>
-        <a:accent3>
-          <a:srgbClr val="ECFAF7"/>
-        </a:accent3>
-        <a:accent4>
-          <a:srgbClr val="000000"/>
-        </a:accent4>
-        <a:accent5>
-          <a:srgbClr val="FFFFFF"/>
-        </a:accent5>
-        <a:accent6>
-          <a:srgbClr val="7FB3E7"/>
-        </a:accent6>
-        <a:hlink>
-          <a:srgbClr val="0066CC"/>
-        </a:hlink>
-        <a:folHlink>
-          <a:srgbClr val="00A800"/>
-        </a:folHlink>
-      </a:clrScheme>
-      <a:clrMap bg1="lt1" tx1="dk1" bg2="lt2" tx2="dk2" accent1="accent1" accent2="accent2" accent3="accent3" accent4="accent4" accent5="accent5" accent6="accent6" hlink="hlink" folHlink="folHlink"/>
-    </a:extraClrScheme>
-    <a:extraClrScheme>
-      <a:clrScheme name="기본 디자인 5">
-        <a:dk1>
-          <a:srgbClr val="000000"/>
-        </a:dk1>
-        <a:lt1>
-          <a:srgbClr val="FFFFD9"/>
-        </a:lt1>
-        <a:dk2>
-          <a:srgbClr val="000000"/>
-        </a:dk2>
-        <a:lt2>
-          <a:srgbClr val="777777"/>
-        </a:lt2>
-        <a:accent1>
-          <a:srgbClr val="FFFFF7"/>
-        </a:accent1>
-        <a:accent2>
-          <a:srgbClr val="33CCCC"/>
-        </a:accent2>
-        <a:accent3>
-          <a:srgbClr val="FFFFE9"/>
-        </a:accent3>
-        <a:accent4>
-          <a:srgbClr val="000000"/>
-        </a:accent4>
-        <a:accent5>
-          <a:srgbClr val="FFFFFA"/>
-        </a:accent5>
-        <a:accent6>
-          <a:srgbClr val="2DB9B9"/>
-        </a:accent6>
-        <a:hlink>
-          <a:srgbClr val="FF5050"/>
-        </a:hlink>
-        <a:folHlink>
-          <a:srgbClr val="FF9900"/>
-        </a:folHlink>
-      </a:clrScheme>
-      <a:clrMap bg1="lt1" tx1="dk1" bg2="lt2" tx2="dk2" accent1="accent1" accent2="accent2" accent3="accent3" accent4="accent4" accent5="accent5" accent6="accent6" hlink="hlink" folHlink="folHlink"/>
-    </a:extraClrScheme>
-    <a:extraClrScheme>
-      <a:clrScheme name="기본 디자인 6">
-        <a:dk1>
-          <a:srgbClr val="005A58"/>
-        </a:dk1>
-        <a:lt1>
-          <a:srgbClr val="FFFFFF"/>
-        </a:lt1>
-        <a:dk2>
-          <a:srgbClr val="008080"/>
-        </a:dk2>
-        <a:lt2>
-          <a:srgbClr val="FFFF99"/>
-        </a:lt2>
-        <a:accent1>
-          <a:srgbClr val="006462"/>
-        </a:accent1>
-        <a:accent2>
-          <a:srgbClr val="6D6FC7"/>
-        </a:accent2>
-        <a:accent3>
-          <a:srgbClr val="AAC0C0"/>
-        </a:accent3>
-        <a:accent4>
-          <a:srgbClr val="DADADA"/>
-        </a:accent4>
-        <a:accent5>
-          <a:srgbClr val="AAB8B7"/>
-        </a:accent5>
-        <a:accent6>
-          <a:srgbClr val="6264B4"/>
-        </a:accent6>
-        <a:hlink>
-          <a:srgbClr val="00FFFF"/>
-        </a:hlink>
-        <a:folHlink>
-          <a:srgbClr val="00FF00"/>
-        </a:folHlink>
-      </a:clrScheme>
-      <a:clrMap bg1="dk2" tx1="lt1" bg2="dk1" tx2="lt2" accent1="accent1" accent2="accent2" accent3="accent3" accent4="accent4" accent5="accent5" accent6="accent6" hlink="hlink" folHlink="folHlink"/>
-    </a:extraClrScheme>
-    <a:extraClrScheme>
-      <a:clrScheme name="기본 디자인 7">
-        <a:dk1>
-          <a:srgbClr val="5C1F00"/>
-        </a:dk1>
-        <a:lt1>
-          <a:srgbClr val="FFFFFF"/>
-        </a:lt1>
-        <a:dk2>
-          <a:srgbClr val="800000"/>
-        </a:dk2>
-        <a:lt2>
-          <a:srgbClr val="DFD293"/>
-        </a:lt2>
-        <a:accent1>
-          <a:srgbClr val="CC3300"/>
-        </a:accent1>
-        <a:accent2>
-          <a:srgbClr val="BE7960"/>
-        </a:accent2>
-        <a:accent3>
-          <a:srgbClr val="C0AAAA"/>
-        </a:accent3>
-        <a:accent4>
-          <a:srgbClr val="DADADA"/>
-        </a:accent4>
-        <a:accent5>
-          <a:srgbClr val="E2ADAA"/>
-        </a:accent5>
-        <a:accent6>
-          <a:srgbClr val="AC6D56"/>
-        </a:accent6>
-        <a:hlink>
-          <a:srgbClr val="FFFF99"/>
-        </a:hlink>
-        <a:folHlink>
-          <a:srgbClr val="D3A219"/>
-        </a:folHlink>
-      </a:clrScheme>
-      <a:clrMap bg1="dk2" tx1="lt1" bg2="dk1" tx2="lt2" accent1="accent1" accent2="accent2" accent3="accent3" accent4="accent4" accent5="accent5" accent6="accent6" hlink="hlink" folHlink="folHlink"/>
-    </a:extraClrScheme>
-    <a:extraClrScheme>
-      <a:clrScheme name="기본 디자인 8">
-        <a:dk1>
-          <a:srgbClr val="003366"/>
-        </a:dk1>
-        <a:lt1>
-          <a:srgbClr val="FFFFFF"/>
-        </a:lt1>
-        <a:dk2>
-          <a:srgbClr val="000099"/>
-        </a:dk2>
-        <a:lt2>
-          <a:srgbClr val="CCFFFF"/>
-        </a:lt2>
-        <a:accent1>
-          <a:srgbClr val="3366CC"/>
-        </a:accent1>
-        <a:accent2>
-          <a:srgbClr val="00B000"/>
-        </a:accent2>
-        <a:accent3>
-          <a:srgbClr val="AAAACA"/>
-        </a:accent3>
-        <a:accent4>
-          <a:srgbClr val="DADADA"/>
-        </a:accent4>
-        <a:accent5>
-          <a:srgbClr val="ADB8E2"/>
-        </a:accent5>
-        <a:accent6>
-          <a:srgbClr val="009F00"/>
-        </a:accent6>
-        <a:hlink>
-          <a:srgbClr val="66CCFF"/>
-        </a:hlink>
-        <a:folHlink>
-          <a:srgbClr val="FFE701"/>
-        </a:folHlink>
-      </a:clrScheme>
-      <a:clrMap bg1="dk2" tx1="lt1" bg2="dk1" tx2="lt2" accent1="accent1" accent2="accent2" accent3="accent3" accent4="accent4" accent5="accent5" accent6="accent6" hlink="hlink" folHlink="folHlink"/>
-    </a:extraClrScheme>
-    <a:extraClrScheme>
-      <a:clrScheme name="기본 디자인 9">
-        <a:dk1>
-          <a:srgbClr val="336699"/>
-        </a:dk1>
-        <a:lt1>
-          <a:srgbClr val="FFFFFF"/>
-        </a:lt1>
-        <a:dk2>
-          <a:srgbClr val="000000"/>
-        </a:dk2>
-        <a:lt2>
-          <a:srgbClr val="E3EBF1"/>
-        </a:lt2>
-        <a:accent1>
-          <a:srgbClr val="003399"/>
-        </a:accent1>
-        <a:accent2>
-          <a:srgbClr val="468A4B"/>
-        </a:accent2>
-        <a:accent3>
-          <a:srgbClr val="AAAAAA"/>
-        </a:accent3>
-        <a:accent4>
-          <a:srgbClr val="DADADA"/>
-        </a:accent4>
-        <a:accent5>
-          <a:srgbClr val="AAADCA"/>
-        </a:accent5>
-        <a:accent6>
-          <a:srgbClr val="3F7D43"/>
-        </a:accent6>
-        <a:hlink>
-          <a:srgbClr val="66CCFF"/>
-        </a:hlink>
-        <a:folHlink>
-          <a:srgbClr val="F0E500"/>
-        </a:folHlink>
-      </a:clrScheme>
-      <a:clrMap bg1="dk2" tx1="lt1" bg2="dk1" tx2="lt2" accent1="accent1" accent2="accent2" accent3="accent3" accent4="accent4" accent5="accent5" accent6="accent6" hlink="hlink" folHlink="folHlink"/>
-    </a:extraClrScheme>
-    <a:extraClrScheme>
-      <a:clrScheme name="기본 디자인 10">
-        <a:dk1>
-          <a:srgbClr val="777777"/>
-        </a:dk1>
-        <a:lt1>
-          <a:srgbClr val="FFFFFF"/>
-        </a:lt1>
-        <a:dk2>
-          <a:srgbClr val="686B5D"/>
-        </a:dk2>
-        <a:lt2>
-          <a:srgbClr val="D1D1CB"/>
-        </a:lt2>
-        <a:accent1>
-          <a:srgbClr val="909082"/>
-        </a:accent1>
-        <a:accent2>
-          <a:srgbClr val="809EA8"/>
-        </a:accent2>
-        <a:accent3>
-          <a:srgbClr val="B9BAB6"/>
-        </a:accent3>
-        <a:accent4>
-          <a:srgbClr val="DADADA"/>
-        </a:accent4>
-        <a:accent5>
-          <a:srgbClr val="C6C6C1"/>
-        </a:accent5>
-        <a:accent6>
-          <a:srgbClr val="738F98"/>
-        </a:accent6>
-        <a:hlink>
-          <a:srgbClr val="FFCC66"/>
-        </a:hlink>
-        <a:folHlink>
-          <a:srgbClr val="E9DCB9"/>
-        </a:folHlink>
-      </a:clrScheme>
-      <a:clrMap bg1="dk2" tx1="lt1" bg2="dk1" tx2="lt2" accent1="accent1" accent2="accent2" accent3="accent3" accent4="accent4" accent5="accent5" accent6="accent6" hlink="hlink" folHlink="folHlink"/>
-    </a:extraClrScheme>
-    <a:extraClrScheme>
-      <a:clrScheme name="기본 디자인 11">
-        <a:dk1>
-          <a:srgbClr val="3E3E5C"/>
-        </a:dk1>
-        <a:lt1>
-          <a:srgbClr val="FFFFFF"/>
-        </a:lt1>
-        <a:dk2>
-          <a:srgbClr val="666699"/>
-        </a:dk2>
-        <a:lt2>
-          <a:srgbClr val="FFFFFF"/>
-        </a:lt2>
-        <a:accent1>
-          <a:srgbClr val="60597B"/>
-        </a:accent1>
-        <a:accent2>
-          <a:srgbClr val="6666FF"/>
-        </a:accent2>
-        <a:accent3>
-          <a:srgbClr val="B8B8CA"/>
-        </a:accent3>
-        <a:accent4>
-          <a:srgbClr val="DADADA"/>
-        </a:accent4>
-        <a:accent5>
-          <a:srgbClr val="B6B5BF"/>
-        </a:accent5>
-        <a:accent6>
-          <a:srgbClr val="5C5CE7"/>
-        </a:accent6>
-        <a:hlink>
-          <a:srgbClr val="99CCFF"/>
-        </a:hlink>
-        <a:folHlink>
-          <a:srgbClr val="FFFF99"/>
-        </a:folHlink>
-      </a:clrScheme>
-      <a:clrMap bg1="dk2" tx1="lt1" bg2="dk1" tx2="lt2" accent1="accent1" accent2="accent2" accent3="accent3" accent4="accent4" accent5="accent5" accent6="accent6" hlink="hlink" folHlink="folHlink"/>
-    </a:extraClrScheme>
-    <a:extraClrScheme>
-      <a:clrScheme name="기본 디자인 12">
-        <a:dk1>
-          <a:srgbClr val="2D2015"/>
-        </a:dk1>
-        <a:lt1>
-          <a:srgbClr val="FFFFFF"/>
-        </a:lt1>
-        <a:dk2>
-          <a:srgbClr val="523E26"/>
-        </a:dk2>
-        <a:lt2>
-          <a:srgbClr val="DFC08D"/>
-        </a:lt2>
-        <a:accent1>
-          <a:srgbClr val="8C7B70"/>
-        </a:accent1>
-        <a:accent2>
-          <a:srgbClr val="8F5F2F"/>
-        </a:accent2>
-        <a:accent3>
-          <a:srgbClr val="B3AFAC"/>
-        </a:accent3>
-        <a:accent4>
-          <a:srgbClr val="DADADA"/>
-        </a:accent4>
-        <a:accent5>
-          <a:srgbClr val="C5BFBB"/>
-        </a:accent5>
-        <a:accent6>
-          <a:srgbClr val="81552A"/>
-        </a:accent6>
-        <a:hlink>
-          <a:srgbClr val="CCB400"/>
-        </a:hlink>
-        <a:folHlink>
-          <a:srgbClr val="8C9EA0"/>
-        </a:folHlink>
-      </a:clrScheme>
-      <a:clrMap bg1="dk2" tx1="lt1" bg2="dk1" tx2="lt2" accent1="accent1" accent2="accent2" accent3="accent3" accent4="accent4" accent5="accent5" accent6="accent6" hlink="hlink" folHlink="folHlink"/>
-    </a:extraClrScheme>
-  </a:extraClrSchemeLst>
 </a:theme>
 </file>
 
 <file path=ppt/theme/theme2.xml><?xml version="1.0" encoding="utf-8"?>
-<a:theme xmlns:a="http://schemas.openxmlformats.org/drawingml/2006/main" name="Office 테마">
+<a:theme xmlns:r="http://schemas.openxmlformats.org/officeDocument/2006/relationships" xmlns:c="http://schemas.openxmlformats.org/drawingml/2006/chart" xmlns:dgm="http://schemas.openxmlformats.org/drawingml/2006/diagram" xmlns:dsp="http://schemas.microsoft.com/office/drawing/2008/diagram" xmlns:a="http://schemas.openxmlformats.org/drawingml/2006/main" xmlns:pic="http://schemas.openxmlformats.org/drawingml/2006/picture" xmlns:wp="http://schemas.openxmlformats.org/drawingml/2006/wordprocessingDrawing" xmlns:xdr="http://schemas.openxmlformats.org/drawingml/2006/spreadsheetDrawing" xmlns:p="http://schemas.openxmlformats.org/presentationml/2006/main" name="Office 테마">
   <a:themeElements>
     <a:clrScheme name="">
       <a:dk1>
         <a:srgbClr val="000000"/>
       </a:dk1>
       <a:lt1>
-        <a:srgbClr val="FFFFFF"/>
+        <a:srgbClr val="ffffff"/>
       </a:lt1>
       <a:dk2>
         <a:srgbClr val="000000"/>
@@ -43411,28 +42815,28 @@
         <a:srgbClr val="808080"/>
       </a:lt2>
       <a:accent1>
-        <a:srgbClr val="BBE0E3"/>
+        <a:srgbClr val="bbe0e3"/>
       </a:accent1>
       <a:accent2>
         <a:srgbClr val="333399"/>
       </a:accent2>
       <a:accent3>
-        <a:srgbClr val="FFFFFF"/>
+        <a:srgbClr val="ffffff"/>
       </a:accent3>
       <a:accent4>
         <a:srgbClr val="000000"/>
       </a:accent4>
       <a:accent5>
-        <a:srgbClr val="DAEDEF"/>
+        <a:srgbClr val="daedef"/>
       </a:accent5>
       <a:accent6>
-        <a:srgbClr val="2D2D8A"/>
+        <a:srgbClr val="2d2d8a"/>
       </a:accent6>
       <a:hlink>
         <a:srgbClr val="009999"/>
       </a:hlink>
       <a:folHlink>
-        <a:srgbClr val="99CC00"/>
+        <a:srgbClr val="99cc00"/>
       </a:folHlink>
     </a:clrScheme>
     <a:fontScheme name="Office">
@@ -43440,9 +42844,9 @@
         <a:latin typeface="맑은 고딕"/>
         <a:ea typeface=""/>
         <a:cs typeface=""/>
-        <a:font script="Jpan" typeface="ＭＳ Ｐゴシック"/>
+        <a:font script="Jpan" typeface="MS PGothic"/>
         <a:font script="Hang" typeface="맑은 고딕"/>
-        <a:font script="Hans" typeface="宋体"/>
+        <a:font script="Hans" typeface="SimSun"/>
         <a:font script="Hant" typeface="新細明體"/>
         <a:font script="Arab" typeface="Times New Roman"/>
         <a:font script="Hebr" typeface="Times New Roman"/>
@@ -43474,9 +42878,9 @@
         <a:latin typeface="맑은 고딕"/>
         <a:ea typeface=""/>
         <a:cs typeface=""/>
-        <a:font script="Jpan" typeface="ＭＳ Ｐゴシック"/>
+        <a:font script="Jpan" typeface="MS PGothic"/>
         <a:font script="Hang" typeface="맑은 고딕"/>
-        <a:font script="Hans" typeface="宋体"/>
+        <a:font script="Hans" typeface="SimSun"/>
         <a:font script="Hant" typeface="新細明體"/>
         <a:font script="Arab" typeface="Arial"/>
         <a:font script="Hebr" typeface="Arial"/>
@@ -43672,20 +43076,18 @@
       </a:bgFillStyleLst>
     </a:fmtScheme>
   </a:themeElements>
-  <a:objectDefaults/>
-  <a:extraClrSchemeLst/>
 </a:theme>
 </file>
 
 <file path=ppt/theme/theme3.xml><?xml version="1.0" encoding="utf-8"?>
-<a:theme xmlns:a="http://schemas.openxmlformats.org/drawingml/2006/main" name="Office 테마">
+<a:theme xmlns:r="http://schemas.openxmlformats.org/officeDocument/2006/relationships" xmlns:c="http://schemas.openxmlformats.org/drawingml/2006/chart" xmlns:dgm="http://schemas.openxmlformats.org/drawingml/2006/diagram" xmlns:dsp="http://schemas.microsoft.com/office/drawing/2008/diagram" xmlns:a="http://schemas.openxmlformats.org/drawingml/2006/main" xmlns:pic="http://schemas.openxmlformats.org/drawingml/2006/picture" xmlns:wp="http://schemas.openxmlformats.org/drawingml/2006/wordprocessingDrawing" xmlns:xdr="http://schemas.openxmlformats.org/drawingml/2006/spreadsheetDrawing" xmlns:p="http://schemas.openxmlformats.org/presentationml/2006/main" name="Office 테마">
   <a:themeElements>
     <a:clrScheme name="">
       <a:dk1>
         <a:srgbClr val="000000"/>
       </a:dk1>
       <a:lt1>
-        <a:srgbClr val="FFFFFF"/>
+        <a:srgbClr val="ffffff"/>
       </a:lt1>
       <a:dk2>
         <a:srgbClr val="000000"/>
@@ -43694,28 +43096,28 @@
         <a:srgbClr val="808080"/>
       </a:lt2>
       <a:accent1>
-        <a:srgbClr val="BBE0E3"/>
+        <a:srgbClr val="bbe0e3"/>
       </a:accent1>
       <a:accent2>
         <a:srgbClr val="333399"/>
       </a:accent2>
       <a:accent3>
-        <a:srgbClr val="FFFFFF"/>
+        <a:srgbClr val="ffffff"/>
       </a:accent3>
       <a:accent4>
         <a:srgbClr val="000000"/>
       </a:accent4>
       <a:accent5>
-        <a:srgbClr val="DAEDEF"/>
+        <a:srgbClr val="daedef"/>
       </a:accent5>
       <a:accent6>
-        <a:srgbClr val="2D2D8A"/>
+        <a:srgbClr val="2d2d8a"/>
       </a:accent6>
       <a:hlink>
         <a:srgbClr val="009999"/>
       </a:hlink>
       <a:folHlink>
-        <a:srgbClr val="99CC00"/>
+        <a:srgbClr val="99cc00"/>
       </a:folHlink>
     </a:clrScheme>
     <a:fontScheme name="Office">
@@ -43723,9 +43125,9 @@
         <a:latin typeface="맑은 고딕"/>
         <a:ea typeface=""/>
         <a:cs typeface=""/>
-        <a:font script="Jpan" typeface="ＭＳ Ｐゴシック"/>
+        <a:font script="Jpan" typeface="MS PGothic"/>
         <a:font script="Hang" typeface="맑은 고딕"/>
-        <a:font script="Hans" typeface="宋体"/>
+        <a:font script="Hans" typeface="SimSun"/>
         <a:font script="Hant" typeface="新細明體"/>
         <a:font script="Arab" typeface="Times New Roman"/>
         <a:font script="Hebr" typeface="Times New Roman"/>
@@ -43757,9 +43159,9 @@
         <a:latin typeface="맑은 고딕"/>
         <a:ea typeface=""/>
         <a:cs typeface=""/>
-        <a:font script="Jpan" typeface="ＭＳ Ｐゴシック"/>
+        <a:font script="Jpan" typeface="MS PGothic"/>
         <a:font script="Hang" typeface="맑은 고딕"/>
-        <a:font script="Hans" typeface="宋体"/>
+        <a:font script="Hans" typeface="SimSun"/>
         <a:font script="Hant" typeface="新細明體"/>
         <a:font script="Arab" typeface="Arial"/>
         <a:font script="Hebr" typeface="Arial"/>
@@ -43955,7 +43357,5 @@
       </a:bgFillStyleLst>
     </a:fmtScheme>
   </a:themeElements>
-  <a:objectDefaults/>
-  <a:extraClrSchemeLst/>
 </a:theme>
 </file>